--- a/Slides/Lecture09 - JSON and the REST - ASP.NET Core.pptx
+++ b/Slides/Lecture09 - JSON and the REST - ASP.NET Core.pptx
@@ -6,10 +6,10 @@
     <p:sldMasterId id="2147484675" r:id="rId5"/>
   </p:sldMasterIdLst>
   <p:notesMasterIdLst>
-    <p:notesMasterId r:id="rId30"/>
+    <p:notesMasterId r:id="rId43"/>
   </p:notesMasterIdLst>
   <p:handoutMasterIdLst>
-    <p:handoutMasterId r:id="rId31"/>
+    <p:handoutMasterId r:id="rId44"/>
   </p:handoutMasterIdLst>
   <p:sldIdLst>
     <p:sldId id="1663" r:id="rId6"/>
@@ -36,6 +36,19 @@
     <p:sldId id="1712" r:id="rId27"/>
     <p:sldId id="1713" r:id="rId28"/>
     <p:sldId id="1683" r:id="rId29"/>
+    <p:sldId id="1715" r:id="rId30"/>
+    <p:sldId id="1716" r:id="rId31"/>
+    <p:sldId id="1728" r:id="rId32"/>
+    <p:sldId id="1717" r:id="rId33"/>
+    <p:sldId id="1722" r:id="rId34"/>
+    <p:sldId id="1726" r:id="rId35"/>
+    <p:sldId id="1718" r:id="rId36"/>
+    <p:sldId id="1719" r:id="rId37"/>
+    <p:sldId id="1721" r:id="rId38"/>
+    <p:sldId id="1720" r:id="rId39"/>
+    <p:sldId id="1723" r:id="rId40"/>
+    <p:sldId id="1724" r:id="rId41"/>
+    <p:sldId id="1725" r:id="rId42"/>
   </p:sldIdLst>
   <p:sldSz cx="12192000" cy="6858000"/>
   <p:notesSz cx="6858000" cy="9144000"/>
@@ -163,6 +176,19 @@
             <p14:sldId id="1712"/>
             <p14:sldId id="1713"/>
             <p14:sldId id="1683"/>
+            <p14:sldId id="1715"/>
+            <p14:sldId id="1716"/>
+            <p14:sldId id="1728"/>
+            <p14:sldId id="1717"/>
+            <p14:sldId id="1722"/>
+            <p14:sldId id="1726"/>
+            <p14:sldId id="1718"/>
+            <p14:sldId id="1719"/>
+            <p14:sldId id="1721"/>
+            <p14:sldId id="1720"/>
+            <p14:sldId id="1723"/>
+            <p14:sldId id="1724"/>
+            <p14:sldId id="1725"/>
           </p14:sldIdLst>
         </p14:section>
       </p14:sectionLst>
@@ -302,7 +328,7 @@
               <a:rPr lang="en-US" smtClean="0">
                 <a:latin typeface="Segoe UI" pitchFamily="34" charset="0"/>
               </a:rPr>
-              <a:t>11/6/2019 7:42 PM</a:t>
+              <a:t>11/8/2019 8:30 AM</a:t>
             </a:fld>
             <a:endParaRPr lang="en-US" dirty="0">
               <a:latin typeface="Segoe UI" pitchFamily="34" charset="0"/>
@@ -580,7 +606,7 @@
           <a:p>
             <a:fld id="{386CE63F-9E7F-4C04-9D0D-FCA25A8E9E86}" type="datetime8">
               <a:rPr lang="en-US" smtClean="0"/>
-              <a:t>11/6/2019 7:41 PM</a:t>
+              <a:t>11/8/2019 8:30 AM</a:t>
             </a:fld>
             <a:endParaRPr lang="en-US" dirty="0"/>
           </a:p>
@@ -947,7 +973,7 @@
           <a:p>
             <a:fld id="{321E5A7B-BB8D-4368-A182-109669521632}" type="datetime8">
               <a:rPr lang="en-US" smtClean="0"/>
-              <a:t>11/6/2019 7:41 PM</a:t>
+              <a:t>11/8/2019 8:30 AM</a:t>
             </a:fld>
             <a:endParaRPr lang="en-US" dirty="0"/>
           </a:p>
@@ -24969,12 +24995,451 @@
           </a:p>
         </p:txBody>
       </p:sp>
+    </p:spTree>
+    <p:extLst>
+      <p:ext uri="{BB962C8B-B14F-4D97-AF65-F5344CB8AC3E}">
+        <p14:creationId xmlns:p14="http://schemas.microsoft.com/office/powerpoint/2010/main" val="3090743655"/>
+      </p:ext>
+    </p:extLst>
+  </p:cSld>
+  <p:clrMapOvr>
+    <a:masterClrMapping/>
+  </p:clrMapOvr>
+  <mc:AlternateContent xmlns:mc="http://schemas.openxmlformats.org/markup-compatibility/2006" xmlns:p14="http://schemas.microsoft.com/office/powerpoint/2010/main">
+    <mc:Choice Requires="p14">
+      <p:transition spd="med" p14:dur="700">
+        <p:fade/>
+      </p:transition>
+    </mc:Choice>
+    <mc:Fallback xmlns="">
+      <p:transition spd="med">
+        <p:fade/>
+      </p:transition>
+    </mc:Fallback>
+  </mc:AlternateContent>
+</p:sld>
+</file>
+
+<file path=ppt/slides/slide25.xml><?xml version="1.0" encoding="utf-8"?>
+<p:sld xmlns:a="http://schemas.openxmlformats.org/drawingml/2006/main" xmlns:r="http://schemas.openxmlformats.org/officeDocument/2006/relationships" xmlns:p="http://schemas.openxmlformats.org/presentationml/2006/main">
+  <p:cSld>
+    <p:bg>
+      <p:bgPr>
+        <a:solidFill>
+          <a:schemeClr val="bg1"/>
+        </a:solidFill>
+        <a:effectLst/>
+      </p:bgPr>
+    </p:bg>
+    <p:spTree>
+      <p:nvGrpSpPr>
+        <p:cNvPr id="1" name=""/>
+        <p:cNvGrpSpPr/>
+        <p:nvPr/>
+      </p:nvGrpSpPr>
+      <p:grpSpPr>
+        <a:xfrm>
+          <a:off x="0" y="0"/>
+          <a:ext cx="0" cy="0"/>
+          <a:chOff x="0" y="0"/>
+          <a:chExt cx="0" cy="0"/>
+        </a:xfrm>
+      </p:grpSpPr>
+      <p:sp>
+        <p:nvSpPr>
+          <p:cNvPr id="5" name="Title 4">
+            <a:extLst>
+              <a:ext uri="{FF2B5EF4-FFF2-40B4-BE49-F238E27FC236}">
+                <a16:creationId xmlns:a16="http://schemas.microsoft.com/office/drawing/2014/main" id="{5C11A39F-5003-4683-A478-A370734D8F87}"/>
+              </a:ext>
+            </a:extLst>
+          </p:cNvPr>
+          <p:cNvSpPr>
+            <a:spLocks noGrp="1"/>
+          </p:cNvSpPr>
+          <p:nvPr>
+            <p:ph type="title"/>
+          </p:nvPr>
+        </p:nvSpPr>
+        <p:spPr>
+          <a:xfrm>
+            <a:off x="588263" y="457200"/>
+            <a:ext cx="11018520" cy="553998"/>
+          </a:xfrm>
+          <a:prstGeom prst="rect">
+            <a:avLst/>
+          </a:prstGeom>
+        </p:spPr>
+        <p:txBody>
+          <a:bodyPr wrap="square" anchor="t">
+            <a:normAutofit/>
+          </a:bodyPr>
+          <a:lstStyle/>
+          <a:p>
+            <a:r>
+              <a:rPr lang="en-US" dirty="0"/>
+              <a:t>Model – View – Controller</a:t>
+            </a:r>
+          </a:p>
+        </p:txBody>
+      </p:sp>
+      <p:pic>
+        <p:nvPicPr>
+          <p:cNvPr id="1026" name="Picture 2">
+            <a:extLst>
+              <a:ext uri="{FF2B5EF4-FFF2-40B4-BE49-F238E27FC236}">
+                <a16:creationId xmlns:a16="http://schemas.microsoft.com/office/drawing/2014/main" id="{B6F16716-1D7E-4287-A9CF-F382F1B3B5F5}"/>
+              </a:ext>
+            </a:extLst>
+          </p:cNvPr>
+          <p:cNvPicPr>
+            <a:picLocks noChangeAspect="1" noChangeArrowheads="1"/>
+          </p:cNvPicPr>
+          <p:nvPr/>
+        </p:nvPicPr>
+        <p:blipFill>
+          <a:blip r:embed="rId2">
+            <a:extLst>
+              <a:ext uri="{28A0092B-C50C-407E-A947-70E740481C1C}">
+                <a14:useLocalDpi xmlns:a14="http://schemas.microsoft.com/office/drawing/2010/main" val="0"/>
+              </a:ext>
+            </a:extLst>
+          </a:blip>
+          <a:stretch>
+            <a:fillRect/>
+          </a:stretch>
+        </p:blipFill>
+        <p:spPr bwMode="auto">
+          <a:xfrm>
+            <a:off x="1758247" y="1435100"/>
+            <a:ext cx="8670743" cy="4833938"/>
+          </a:xfrm>
+          <a:prstGeom prst="rect">
+            <a:avLst/>
+          </a:prstGeom>
+          <a:solidFill>
+            <a:srgbClr val="FFFFFF"/>
+          </a:solidFill>
+          <a:extLst>
+            <a:ext uri="{909E8E84-426E-40DD-AFC4-6F175D3DCCD1}">
+              <a14:hiddenFill xmlns:a14="http://schemas.microsoft.com/office/drawing/2010/main">
+                <a:solidFill>
+                  <a:srgbClr val="FFFFFF"/>
+                </a:solidFill>
+              </a14:hiddenFill>
+            </a:ext>
+          </a:extLst>
+        </p:spPr>
+      </p:pic>
+    </p:spTree>
+    <p:extLst>
+      <p:ext uri="{BB962C8B-B14F-4D97-AF65-F5344CB8AC3E}">
+        <p14:creationId xmlns:p14="http://schemas.microsoft.com/office/powerpoint/2010/main" val="1179624466"/>
+      </p:ext>
+    </p:extLst>
+  </p:cSld>
+  <p:clrMapOvr>
+    <a:masterClrMapping/>
+  </p:clrMapOvr>
+  <p:transition>
+    <p:fade/>
+  </p:transition>
+</p:sld>
+</file>
+
+<file path=ppt/slides/slide26.xml><?xml version="1.0" encoding="utf-8"?>
+<p:sld xmlns:a="http://schemas.openxmlformats.org/drawingml/2006/main" xmlns:r="http://schemas.openxmlformats.org/officeDocument/2006/relationships" xmlns:p="http://schemas.openxmlformats.org/presentationml/2006/main">
+  <p:cSld>
+    <p:bg>
+      <p:bgPr>
+        <a:solidFill>
+          <a:schemeClr val="bg1"/>
+        </a:solidFill>
+        <a:effectLst/>
+      </p:bgPr>
+    </p:bg>
+    <p:spTree>
+      <p:nvGrpSpPr>
+        <p:cNvPr id="1" name=""/>
+        <p:cNvGrpSpPr/>
+        <p:nvPr/>
+      </p:nvGrpSpPr>
+      <p:grpSpPr>
+        <a:xfrm>
+          <a:off x="0" y="0"/>
+          <a:ext cx="0" cy="0"/>
+          <a:chOff x="0" y="0"/>
+          <a:chExt cx="0" cy="0"/>
+        </a:xfrm>
+      </p:grpSpPr>
+      <p:sp>
+        <p:nvSpPr>
+          <p:cNvPr id="5" name="Title 4">
+            <a:extLst>
+              <a:ext uri="{FF2B5EF4-FFF2-40B4-BE49-F238E27FC236}">
+                <a16:creationId xmlns:a16="http://schemas.microsoft.com/office/drawing/2014/main" id="{5C11A39F-5003-4683-A478-A370734D8F87}"/>
+              </a:ext>
+            </a:extLst>
+          </p:cNvPr>
+          <p:cNvSpPr>
+            <a:spLocks noGrp="1"/>
+          </p:cNvSpPr>
+          <p:nvPr>
+            <p:ph type="title"/>
+          </p:nvPr>
+        </p:nvSpPr>
+        <p:spPr>
+          <a:xfrm>
+            <a:off x="588263" y="457200"/>
+            <a:ext cx="11018520" cy="553998"/>
+          </a:xfrm>
+          <a:prstGeom prst="rect">
+            <a:avLst/>
+          </a:prstGeom>
+        </p:spPr>
+        <p:txBody>
+          <a:bodyPr wrap="square" anchor="t">
+            <a:normAutofit/>
+          </a:bodyPr>
+          <a:lstStyle/>
+          <a:p>
+            <a:r>
+              <a:rPr lang="en-US" dirty="0"/>
+              <a:t>ASP.NET Web API</a:t>
+            </a:r>
+          </a:p>
+        </p:txBody>
+      </p:sp>
+      <p:pic>
+        <p:nvPicPr>
+          <p:cNvPr id="1026" name="Picture 2">
+            <a:extLst>
+              <a:ext uri="{FF2B5EF4-FFF2-40B4-BE49-F238E27FC236}">
+                <a16:creationId xmlns:a16="http://schemas.microsoft.com/office/drawing/2014/main" id="{B6F16716-1D7E-4287-A9CF-F382F1B3B5F5}"/>
+              </a:ext>
+            </a:extLst>
+          </p:cNvPr>
+          <p:cNvPicPr>
+            <a:picLocks noChangeAspect="1" noChangeArrowheads="1"/>
+          </p:cNvPicPr>
+          <p:nvPr/>
+        </p:nvPicPr>
+        <p:blipFill>
+          <a:blip r:embed="rId2">
+            <a:extLst>
+              <a:ext uri="{28A0092B-C50C-407E-A947-70E740481C1C}">
+                <a14:useLocalDpi xmlns:a14="http://schemas.microsoft.com/office/drawing/2010/main" val="0"/>
+              </a:ext>
+            </a:extLst>
+          </a:blip>
+          <a:stretch>
+            <a:fillRect/>
+          </a:stretch>
+        </p:blipFill>
+        <p:spPr bwMode="auto">
+          <a:xfrm>
+            <a:off x="1758247" y="1435100"/>
+            <a:ext cx="8670743" cy="4833938"/>
+          </a:xfrm>
+          <a:prstGeom prst="rect">
+            <a:avLst/>
+          </a:prstGeom>
+          <a:solidFill>
+            <a:srgbClr val="FFFFFF"/>
+          </a:solidFill>
+        </p:spPr>
+      </p:pic>
+      <p:sp>
+        <p:nvSpPr>
+          <p:cNvPr id="6" name="Cross 5">
+            <a:extLst>
+              <a:ext uri="{FF2B5EF4-FFF2-40B4-BE49-F238E27FC236}">
+                <a16:creationId xmlns:a16="http://schemas.microsoft.com/office/drawing/2014/main" id="{AD63F907-FAC3-49EE-85F9-216063531F00}"/>
+              </a:ext>
+            </a:extLst>
+          </p:cNvPr>
+          <p:cNvSpPr/>
+          <p:nvPr/>
+        </p:nvSpPr>
+        <p:spPr bwMode="auto">
+          <a:xfrm rot="2700000">
+            <a:off x="4860860" y="1711176"/>
+            <a:ext cx="1795311" cy="1803050"/>
+          </a:xfrm>
+          <a:prstGeom prst="plus">
+            <a:avLst>
+              <a:gd name="adj" fmla="val 48785"/>
+            </a:avLst>
+          </a:prstGeom>
+          <a:ln>
+            <a:headEnd type="none" w="med" len="med"/>
+            <a:tailEnd type="none" w="med" len="med"/>
+          </a:ln>
+        </p:spPr>
+        <p:style>
+          <a:lnRef idx="2">
+            <a:schemeClr val="accent3">
+              <a:shade val="50000"/>
+            </a:schemeClr>
+          </a:lnRef>
+          <a:fillRef idx="1">
+            <a:schemeClr val="accent3"/>
+          </a:fillRef>
+          <a:effectRef idx="0">
+            <a:schemeClr val="accent3"/>
+          </a:effectRef>
+          <a:fontRef idx="minor">
+            <a:schemeClr val="lt1"/>
+          </a:fontRef>
+        </p:style>
+        <p:txBody>
+          <a:bodyPr rot="0" spcFirstLastPara="0" vertOverflow="overflow" horzOverflow="overflow" vert="horz" wrap="square" lIns="182880" tIns="146304" rIns="182880" bIns="146304" numCol="1" spcCol="0" rtlCol="0" fromWordArt="0" anchor="t" anchorCtr="0" forceAA="0" compatLnSpc="1">
+            <a:prstTxWarp prst="textNoShape">
+              <a:avLst/>
+            </a:prstTxWarp>
+            <a:noAutofit/>
+          </a:bodyPr>
+          <a:lstStyle/>
+          <a:p>
+            <a:pPr algn="l" defTabSz="932472" fontAlgn="base">
+              <a:spcBef>
+                <a:spcPct val="0"/>
+              </a:spcBef>
+              <a:spcAft>
+                <a:spcPct val="0"/>
+              </a:spcAft>
+            </a:pPr>
+            <a:endParaRPr lang="LID4096" sz="2000" dirty="0" err="1">
+              <a:gradFill>
+                <a:gsLst>
+                  <a:gs pos="0">
+                    <a:srgbClr val="FFFFFF"/>
+                  </a:gs>
+                  <a:gs pos="100000">
+                    <a:srgbClr val="FFFFFF"/>
+                  </a:gs>
+                </a:gsLst>
+                <a:lin ang="5400000" scaled="0"/>
+              </a:gradFill>
+              <a:ea typeface="Segoe UI" pitchFamily="34" charset="0"/>
+              <a:cs typeface="Segoe UI" pitchFamily="34" charset="0"/>
+            </a:endParaRPr>
+          </a:p>
+        </p:txBody>
+      </p:sp>
+      <p:sp>
+        <p:nvSpPr>
+          <p:cNvPr id="3" name="TextBox 2">
+            <a:extLst>
+              <a:ext uri="{FF2B5EF4-FFF2-40B4-BE49-F238E27FC236}">
+                <a16:creationId xmlns:a16="http://schemas.microsoft.com/office/drawing/2014/main" id="{DBBA0AD4-02F3-420E-A656-372CE40EC576}"/>
+              </a:ext>
+            </a:extLst>
+          </p:cNvPr>
+          <p:cNvSpPr txBox="1"/>
+          <p:nvPr/>
+        </p:nvSpPr>
+        <p:spPr>
+          <a:xfrm>
+            <a:off x="1763413" y="3561080"/>
+            <a:ext cx="2569174" cy="492443"/>
+          </a:xfrm>
+          <a:prstGeom prst="rect">
+            <a:avLst/>
+          </a:prstGeom>
+          <a:noFill/>
+        </p:spPr>
+        <p:txBody>
+          <a:bodyPr wrap="square" lIns="0" tIns="0" rIns="0" bIns="0" rtlCol="0">
+            <a:spAutoFit/>
+          </a:bodyPr>
+          <a:lstStyle/>
+          <a:p>
+            <a:pPr algn="ctr"/>
+            <a:r>
+              <a:rPr lang="da-DK" sz="3200" b="1" dirty="0">
+                <a:solidFill>
+                  <a:srgbClr val="FF0000"/>
+                </a:solidFill>
+              </a:rPr>
+              <a:t>Application</a:t>
+            </a:r>
+            <a:endParaRPr lang="LID4096" sz="3200" b="1" dirty="0" err="1">
+              <a:solidFill>
+                <a:srgbClr val="FF0000"/>
+              </a:solidFill>
+            </a:endParaRPr>
+          </a:p>
+        </p:txBody>
+      </p:sp>
+    </p:spTree>
+    <p:extLst>
+      <p:ext uri="{BB962C8B-B14F-4D97-AF65-F5344CB8AC3E}">
+        <p14:creationId xmlns:p14="http://schemas.microsoft.com/office/powerpoint/2010/main" val="2908741286"/>
+      </p:ext>
+    </p:extLst>
+  </p:cSld>
+  <p:clrMapOvr>
+    <a:masterClrMapping/>
+  </p:clrMapOvr>
+  <p:transition>
+    <p:fade/>
+  </p:transition>
+</p:sld>
+</file>
+
+<file path=ppt/slides/slide27.xml><?xml version="1.0" encoding="utf-8"?>
+<p:sld xmlns:a="http://schemas.openxmlformats.org/drawingml/2006/main" xmlns:r="http://schemas.openxmlformats.org/officeDocument/2006/relationships" xmlns:p="http://schemas.openxmlformats.org/presentationml/2006/main">
+  <p:cSld>
+    <p:spTree>
+      <p:nvGrpSpPr>
+        <p:cNvPr id="1" name=""/>
+        <p:cNvGrpSpPr/>
+        <p:nvPr/>
+      </p:nvGrpSpPr>
+      <p:grpSpPr>
+        <a:xfrm>
+          <a:off x="0" y="0"/>
+          <a:ext cx="0" cy="0"/>
+          <a:chOff x="0" y="0"/>
+          <a:chExt cx="0" cy="0"/>
+        </a:xfrm>
+      </p:grpSpPr>
+      <p:sp>
+        <p:nvSpPr>
+          <p:cNvPr id="4" name="Title 3">
+            <a:extLst>
+              <a:ext uri="{FF2B5EF4-FFF2-40B4-BE49-F238E27FC236}">
+                <a16:creationId xmlns:a16="http://schemas.microsoft.com/office/drawing/2014/main" id="{014FF682-D1E6-4B65-BE29-5F375BE7B843}"/>
+              </a:ext>
+            </a:extLst>
+          </p:cNvPr>
+          <p:cNvSpPr>
+            <a:spLocks noGrp="1"/>
+          </p:cNvSpPr>
+          <p:nvPr>
+            <p:ph type="title"/>
+          </p:nvPr>
+        </p:nvSpPr>
+        <p:spPr/>
+        <p:txBody>
+          <a:bodyPr/>
+          <a:lstStyle/>
+          <a:p>
+            <a:r>
+              <a:rPr lang="da-DK" dirty="0"/>
+              <a:t>ASP.NET Core Web API</a:t>
+            </a:r>
+            <a:endParaRPr lang="LID4096" dirty="0"/>
+          </a:p>
+        </p:txBody>
+      </p:sp>
       <p:sp>
         <p:nvSpPr>
           <p:cNvPr id="2" name="Text Placeholder 1">
             <a:extLst>
               <a:ext uri="{FF2B5EF4-FFF2-40B4-BE49-F238E27FC236}">
-                <a16:creationId xmlns:a16="http://schemas.microsoft.com/office/drawing/2014/main" id="{D4EC3320-6A99-4D17-8DE5-33849E4DA12D}"/>
+                <a16:creationId xmlns:a16="http://schemas.microsoft.com/office/drawing/2014/main" id="{FCF8E29F-78D2-4E86-ADEC-3102CBD0DCB7}"/>
               </a:ext>
             </a:extLst>
           </p:cNvPr>
@@ -25001,7 +25466,304 @@
     </p:spTree>
     <p:extLst>
       <p:ext uri="{BB962C8B-B14F-4D97-AF65-F5344CB8AC3E}">
-        <p14:creationId xmlns:p14="http://schemas.microsoft.com/office/powerpoint/2010/main" val="3090743655"/>
+        <p14:creationId xmlns:p14="http://schemas.microsoft.com/office/powerpoint/2010/main" val="4000435897"/>
+      </p:ext>
+    </p:extLst>
+  </p:cSld>
+  <p:clrMapOvr>
+    <a:masterClrMapping/>
+  </p:clrMapOvr>
+  <mc:AlternateContent xmlns:mc="http://schemas.openxmlformats.org/markup-compatibility/2006">
+    <mc:Choice xmlns:p14="http://schemas.microsoft.com/office/powerpoint/2010/main" Requires="p14">
+      <p:transition spd="med" p14:dur="700">
+        <p:fade/>
+      </p:transition>
+    </mc:Choice>
+    <mc:Fallback>
+      <p:transition spd="med">
+        <p:fade/>
+      </p:transition>
+    </mc:Fallback>
+  </mc:AlternateContent>
+</p:sld>
+</file>
+
+<file path=ppt/slides/slide28.xml><?xml version="1.0" encoding="utf-8"?>
+<p:sld xmlns:a="http://schemas.openxmlformats.org/drawingml/2006/main" xmlns:r="http://schemas.openxmlformats.org/officeDocument/2006/relationships" xmlns:p="http://schemas.openxmlformats.org/presentationml/2006/main">
+  <p:cSld>
+    <p:spTree>
+      <p:nvGrpSpPr>
+        <p:cNvPr id="1" name=""/>
+        <p:cNvGrpSpPr/>
+        <p:nvPr/>
+      </p:nvGrpSpPr>
+      <p:grpSpPr>
+        <a:xfrm>
+          <a:off x="0" y="0"/>
+          <a:ext cx="0" cy="0"/>
+          <a:chOff x="0" y="0"/>
+          <a:chExt cx="0" cy="0"/>
+        </a:xfrm>
+      </p:grpSpPr>
+      <p:sp>
+        <p:nvSpPr>
+          <p:cNvPr id="2" name="Title 1">
+            <a:extLst>
+              <a:ext uri="{FF2B5EF4-FFF2-40B4-BE49-F238E27FC236}">
+                <a16:creationId xmlns:a16="http://schemas.microsoft.com/office/drawing/2014/main" id="{BDA3B8C0-9D81-4CE6-A060-06A99B81A288}"/>
+              </a:ext>
+            </a:extLst>
+          </p:cNvPr>
+          <p:cNvSpPr>
+            <a:spLocks noGrp="1"/>
+          </p:cNvSpPr>
+          <p:nvPr>
+            <p:ph type="title"/>
+          </p:nvPr>
+        </p:nvSpPr>
+        <p:spPr/>
+        <p:txBody>
+          <a:bodyPr/>
+          <a:lstStyle/>
+          <a:p>
+            <a:r>
+              <a:rPr lang="da-DK" dirty="0"/>
+              <a:t>Controller</a:t>
+            </a:r>
+            <a:endParaRPr lang="LID4096" dirty="0"/>
+          </a:p>
+        </p:txBody>
+      </p:sp>
+      <p:sp>
+        <p:nvSpPr>
+          <p:cNvPr id="4" name="Text Placeholder 3">
+            <a:extLst>
+              <a:ext uri="{FF2B5EF4-FFF2-40B4-BE49-F238E27FC236}">
+                <a16:creationId xmlns:a16="http://schemas.microsoft.com/office/drawing/2014/main" id="{F6C0445C-EBEC-44A3-A8A8-7F7E2ADC1EFD}"/>
+              </a:ext>
+            </a:extLst>
+          </p:cNvPr>
+          <p:cNvSpPr>
+            <a:spLocks noGrp="1"/>
+          </p:cNvSpPr>
+          <p:nvPr>
+            <p:ph type="body" sz="quarter" idx="10"/>
+          </p:nvPr>
+        </p:nvSpPr>
+        <p:spPr>
+          <a:xfrm>
+            <a:off x="586390" y="1434370"/>
+            <a:ext cx="11018520" cy="4481227"/>
+          </a:xfrm>
+        </p:spPr>
+        <p:txBody>
+          <a:bodyPr/>
+          <a:lstStyle/>
+          <a:p>
+            <a:r>
+              <a:rPr lang="da-DK" b="1" dirty="0"/>
+              <a:t>Class</a:t>
+            </a:r>
+            <a:endParaRPr lang="da-DK" dirty="0"/>
+          </a:p>
+          <a:p>
+            <a:r>
+              <a:rPr lang="da-DK" dirty="0"/>
+              <a:t>Derive from </a:t>
+            </a:r>
+            <a:r>
+              <a:rPr lang="da-DK" dirty="0">
+                <a:latin typeface="Consolas" panose="020B0609020204030204" pitchFamily="49" charset="0"/>
+              </a:rPr>
+              <a:t>ControllerBase</a:t>
+            </a:r>
+          </a:p>
+          <a:p>
+            <a:r>
+              <a:rPr lang="da-DK" dirty="0"/>
+              <a:t>Decorate with </a:t>
+            </a:r>
+            <a:r>
+              <a:rPr lang="da-DK" dirty="0">
+                <a:latin typeface="Consolas" panose="020B0609020204030204" pitchFamily="49" charset="0"/>
+              </a:rPr>
+              <a:t>[ApiController] </a:t>
+            </a:r>
+            <a:r>
+              <a:rPr lang="da-DK" dirty="0"/>
+              <a:t>and </a:t>
+            </a:r>
+            <a:r>
+              <a:rPr lang="da-DK" dirty="0">
+                <a:latin typeface="Consolas" panose="020B0609020204030204" pitchFamily="49" charset="0"/>
+              </a:rPr>
+              <a:t>[Route("[controller]")]</a:t>
+            </a:r>
+          </a:p>
+          <a:p>
+            <a:endParaRPr lang="da-DK" dirty="0"/>
+          </a:p>
+          <a:p>
+            <a:r>
+              <a:rPr lang="da-DK" b="1" dirty="0"/>
+              <a:t>Method</a:t>
+            </a:r>
+            <a:endParaRPr lang="da-DK" dirty="0"/>
+          </a:p>
+          <a:p>
+            <a:r>
+              <a:rPr lang="da-DK" dirty="0"/>
+              <a:t>Decorate with </a:t>
+            </a:r>
+            <a:r>
+              <a:rPr lang="da-DK" dirty="0">
+                <a:latin typeface="Consolas" panose="020B0609020204030204" pitchFamily="49" charset="0"/>
+              </a:rPr>
+              <a:t>[HttpGet]</a:t>
+            </a:r>
+            <a:r>
+              <a:rPr lang="da-DK" dirty="0"/>
+              <a:t>, </a:t>
+            </a:r>
+            <a:r>
+              <a:rPr lang="da-DK" dirty="0">
+                <a:latin typeface="Consolas" panose="020B0609020204030204" pitchFamily="49" charset="0"/>
+              </a:rPr>
+              <a:t>[HttpPost]</a:t>
+            </a:r>
+            <a:r>
+              <a:rPr lang="da-DK" dirty="0"/>
+              <a:t>, </a:t>
+            </a:r>
+            <a:r>
+              <a:rPr lang="da-DK" dirty="0">
+                <a:latin typeface="Consolas" panose="020B0609020204030204" pitchFamily="49" charset="0"/>
+              </a:rPr>
+              <a:t>[HttpPut]</a:t>
+            </a:r>
+            <a:r>
+              <a:rPr lang="da-DK" dirty="0"/>
+              <a:t>, </a:t>
+            </a:r>
+            <a:r>
+              <a:rPr lang="da-DK" dirty="0">
+                <a:latin typeface="Consolas" panose="020B0609020204030204" pitchFamily="49" charset="0"/>
+              </a:rPr>
+              <a:t>[HttpDelete]</a:t>
+            </a:r>
+          </a:p>
+          <a:p>
+            <a:r>
+              <a:rPr lang="da-DK" dirty="0"/>
+              <a:t>Return </a:t>
+            </a:r>
+            <a:r>
+              <a:rPr lang="da-DK" i="1" dirty="0"/>
+              <a:t>specific type, </a:t>
+            </a:r>
+            <a:r>
+              <a:rPr lang="da-DK" dirty="0">
+                <a:latin typeface="Consolas" panose="020B0609020204030204" pitchFamily="49" charset="0"/>
+              </a:rPr>
+              <a:t>IActionResult</a:t>
+            </a:r>
+            <a:r>
+              <a:rPr lang="da-DK" dirty="0"/>
+              <a:t>, or </a:t>
+            </a:r>
+            <a:r>
+              <a:rPr lang="da-DK" dirty="0">
+                <a:latin typeface="Consolas" panose="020B0609020204030204" pitchFamily="49" charset="0"/>
+              </a:rPr>
+              <a:t>ActionResult&lt;T&gt; </a:t>
+            </a:r>
+            <a:r>
+              <a:rPr lang="da-DK" dirty="0"/>
+              <a:t>- or </a:t>
+            </a:r>
+            <a:r>
+              <a:rPr lang="da-DK" dirty="0">
+                <a:latin typeface="Consolas" panose="020B0609020204030204" pitchFamily="49" charset="0"/>
+              </a:rPr>
+              <a:t>Task&lt;...&gt;</a:t>
+            </a:r>
+            <a:r>
+              <a:rPr lang="da-DK" i="1" dirty="0"/>
+              <a:t>.</a:t>
+            </a:r>
+            <a:endParaRPr lang="da-DK" dirty="0"/>
+          </a:p>
+          <a:p>
+            <a:endParaRPr lang="da-DK" dirty="0"/>
+          </a:p>
+        </p:txBody>
+      </p:sp>
+    </p:spTree>
+    <p:extLst>
+      <p:ext uri="{BB962C8B-B14F-4D97-AF65-F5344CB8AC3E}">
+        <p14:creationId xmlns:p14="http://schemas.microsoft.com/office/powerpoint/2010/main" val="3873223455"/>
+      </p:ext>
+    </p:extLst>
+  </p:cSld>
+  <p:clrMapOvr>
+    <a:masterClrMapping/>
+  </p:clrMapOvr>
+  <p:transition>
+    <p:fade/>
+  </p:transition>
+</p:sld>
+</file>
+
+<file path=ppt/slides/slide29.xml><?xml version="1.0" encoding="utf-8"?>
+<p:sld xmlns:a="http://schemas.openxmlformats.org/drawingml/2006/main" xmlns:r="http://schemas.openxmlformats.org/officeDocument/2006/relationships" xmlns:p="http://schemas.openxmlformats.org/presentationml/2006/main">
+  <p:cSld>
+    <p:spTree>
+      <p:nvGrpSpPr>
+        <p:cNvPr id="1" name=""/>
+        <p:cNvGrpSpPr/>
+        <p:nvPr/>
+      </p:nvGrpSpPr>
+      <p:grpSpPr>
+        <a:xfrm>
+          <a:off x="0" y="0"/>
+          <a:ext cx="0" cy="0"/>
+          <a:chOff x="0" y="0"/>
+          <a:chExt cx="0" cy="0"/>
+        </a:xfrm>
+      </p:grpSpPr>
+      <p:sp>
+        <p:nvSpPr>
+          <p:cNvPr id="4" name="Title 3">
+            <a:extLst>
+              <a:ext uri="{FF2B5EF4-FFF2-40B4-BE49-F238E27FC236}">
+                <a16:creationId xmlns:a16="http://schemas.microsoft.com/office/drawing/2014/main" id="{3D831E37-CFC3-45A2-ABA0-186B25F673A3}"/>
+              </a:ext>
+            </a:extLst>
+          </p:cNvPr>
+          <p:cNvSpPr>
+            <a:spLocks noGrp="1"/>
+          </p:cNvSpPr>
+          <p:nvPr>
+            <p:ph type="title"/>
+          </p:nvPr>
+        </p:nvSpPr>
+        <p:spPr/>
+        <p:txBody>
+          <a:bodyPr/>
+          <a:lstStyle/>
+          <a:p>
+            <a:r>
+              <a:rPr lang="da-DK" dirty="0"/>
+              <a:t>ASP.NET (Web API) best practices</a:t>
+            </a:r>
+            <a:endParaRPr lang="LID4096" dirty="0"/>
+          </a:p>
+        </p:txBody>
+      </p:sp>
+    </p:spTree>
+    <p:extLst>
+      <p:ext uri="{BB962C8B-B14F-4D97-AF65-F5344CB8AC3E}">
+        <p14:creationId xmlns:p14="http://schemas.microsoft.com/office/powerpoint/2010/main" val="194227797"/>
       </p:ext>
     </p:extLst>
   </p:cSld>
@@ -25812,6 +26574,1442 @@
       <p:bldP spid="9" grpId="0" animBg="1"/>
       <p:bldP spid="10" grpId="0" animBg="1"/>
       <p:bldP spid="11" grpId="0" animBg="1"/>
+    </p:bldLst>
+  </p:timing>
+</p:sld>
+</file>
+
+<file path=ppt/slides/slide30.xml><?xml version="1.0" encoding="utf-8"?>
+<p:sld xmlns:a="http://schemas.openxmlformats.org/drawingml/2006/main" xmlns:r="http://schemas.openxmlformats.org/officeDocument/2006/relationships" xmlns:p="http://schemas.openxmlformats.org/presentationml/2006/main">
+  <p:cSld>
+    <p:spTree>
+      <p:nvGrpSpPr>
+        <p:cNvPr id="1" name=""/>
+        <p:cNvGrpSpPr/>
+        <p:nvPr/>
+      </p:nvGrpSpPr>
+      <p:grpSpPr>
+        <a:xfrm>
+          <a:off x="0" y="0"/>
+          <a:ext cx="0" cy="0"/>
+          <a:chOff x="0" y="0"/>
+          <a:chExt cx="0" cy="0"/>
+        </a:xfrm>
+      </p:grpSpPr>
+      <p:sp>
+        <p:nvSpPr>
+          <p:cNvPr id="2" name="Title 1">
+            <a:extLst>
+              <a:ext uri="{FF2B5EF4-FFF2-40B4-BE49-F238E27FC236}">
+                <a16:creationId xmlns:a16="http://schemas.microsoft.com/office/drawing/2014/main" id="{20D853F1-2ECF-465E-8A78-765C9B6723DE}"/>
+              </a:ext>
+            </a:extLst>
+          </p:cNvPr>
+          <p:cNvSpPr>
+            <a:spLocks noGrp="1"/>
+          </p:cNvSpPr>
+          <p:nvPr>
+            <p:ph type="title"/>
+          </p:nvPr>
+        </p:nvSpPr>
+        <p:spPr/>
+        <p:txBody>
+          <a:bodyPr/>
+          <a:lstStyle/>
+          <a:p>
+            <a:r>
+              <a:rPr lang="da-DK" dirty="0"/>
+              <a:t>Be RESTful</a:t>
+            </a:r>
+            <a:endParaRPr lang="LID4096" dirty="0"/>
+          </a:p>
+        </p:txBody>
+      </p:sp>
+      <p:sp>
+        <p:nvSpPr>
+          <p:cNvPr id="3" name="Text Placeholder 2">
+            <a:extLst>
+              <a:ext uri="{FF2B5EF4-FFF2-40B4-BE49-F238E27FC236}">
+                <a16:creationId xmlns:a16="http://schemas.microsoft.com/office/drawing/2014/main" id="{E584C438-7BD9-46E8-AF3A-FFB7D8F31073}"/>
+              </a:ext>
+            </a:extLst>
+          </p:cNvPr>
+          <p:cNvSpPr>
+            <a:spLocks noGrp="1"/>
+          </p:cNvSpPr>
+          <p:nvPr>
+            <p:ph type="body" sz="quarter" idx="10"/>
+          </p:nvPr>
+        </p:nvSpPr>
+        <p:spPr>
+          <a:xfrm>
+            <a:off x="586390" y="1434370"/>
+            <a:ext cx="11018520" cy="1698927"/>
+          </a:xfrm>
+        </p:spPr>
+        <p:txBody>
+          <a:bodyPr/>
+          <a:lstStyle/>
+          <a:p>
+            <a:r>
+              <a:rPr lang="da-DK" sz="2400" dirty="0"/>
+              <a:t>Use proper status codes</a:t>
+            </a:r>
+          </a:p>
+          <a:p>
+            <a:r>
+              <a:rPr lang="da-DK" sz="2400" dirty="0"/>
+              <a:t>Use meaningful routes</a:t>
+            </a:r>
+          </a:p>
+          <a:p>
+            <a:r>
+              <a:rPr lang="da-DK" sz="2400" dirty="0"/>
+              <a:t>Use proper HTTP methods</a:t>
+            </a:r>
+          </a:p>
+          <a:p>
+            <a:r>
+              <a:rPr lang="da-DK" sz="2400" dirty="0"/>
+              <a:t>Don’t throw exceptions</a:t>
+            </a:r>
+            <a:endParaRPr lang="LID4096" sz="2400" dirty="0"/>
+          </a:p>
+        </p:txBody>
+      </p:sp>
+    </p:spTree>
+    <p:extLst>
+      <p:ext uri="{BB962C8B-B14F-4D97-AF65-F5344CB8AC3E}">
+        <p14:creationId xmlns:p14="http://schemas.microsoft.com/office/powerpoint/2010/main" val="3821072191"/>
+      </p:ext>
+    </p:extLst>
+  </p:cSld>
+  <p:clrMapOvr>
+    <a:masterClrMapping/>
+  </p:clrMapOvr>
+  <p:transition>
+    <p:fade/>
+  </p:transition>
+  <p:timing>
+    <p:tnLst>
+      <p:par>
+        <p:cTn id="1" dur="indefinite" restart="never" nodeType="tmRoot">
+          <p:childTnLst>
+            <p:seq concurrent="1" nextAc="seek">
+              <p:cTn id="2" dur="indefinite" nodeType="mainSeq">
+                <p:childTnLst>
+                  <p:par>
+                    <p:cTn id="3" fill="hold">
+                      <p:stCondLst>
+                        <p:cond delay="indefinite"/>
+                      </p:stCondLst>
+                      <p:childTnLst>
+                        <p:par>
+                          <p:cTn id="4" fill="hold">
+                            <p:stCondLst>
+                              <p:cond delay="0"/>
+                            </p:stCondLst>
+                            <p:childTnLst>
+                              <p:par>
+                                <p:cTn id="5" presetID="1" presetClass="entr" presetSubtype="0" fill="hold" grpId="0" nodeType="clickEffect">
+                                  <p:stCondLst>
+                                    <p:cond delay="0"/>
+                                  </p:stCondLst>
+                                  <p:childTnLst>
+                                    <p:set>
+                                      <p:cBhvr>
+                                        <p:cTn id="6" dur="1" fill="hold">
+                                          <p:stCondLst>
+                                            <p:cond delay="0"/>
+                                          </p:stCondLst>
+                                        </p:cTn>
+                                        <p:tgtEl>
+                                          <p:spTgt spid="3">
+                                            <p:txEl>
+                                              <p:pRg st="0" end="0"/>
+                                            </p:txEl>
+                                          </p:spTgt>
+                                        </p:tgtEl>
+                                        <p:attrNameLst>
+                                          <p:attrName>style.visibility</p:attrName>
+                                        </p:attrNameLst>
+                                      </p:cBhvr>
+                                      <p:to>
+                                        <p:strVal val="visible"/>
+                                      </p:to>
+                                    </p:set>
+                                  </p:childTnLst>
+                                </p:cTn>
+                              </p:par>
+                            </p:childTnLst>
+                          </p:cTn>
+                        </p:par>
+                      </p:childTnLst>
+                    </p:cTn>
+                  </p:par>
+                  <p:par>
+                    <p:cTn id="7" fill="hold">
+                      <p:stCondLst>
+                        <p:cond delay="indefinite"/>
+                      </p:stCondLst>
+                      <p:childTnLst>
+                        <p:par>
+                          <p:cTn id="8" fill="hold">
+                            <p:stCondLst>
+                              <p:cond delay="0"/>
+                            </p:stCondLst>
+                            <p:childTnLst>
+                              <p:par>
+                                <p:cTn id="9" presetID="1" presetClass="entr" presetSubtype="0" fill="hold" grpId="0" nodeType="clickEffect">
+                                  <p:stCondLst>
+                                    <p:cond delay="0"/>
+                                  </p:stCondLst>
+                                  <p:childTnLst>
+                                    <p:set>
+                                      <p:cBhvr>
+                                        <p:cTn id="10" dur="1" fill="hold">
+                                          <p:stCondLst>
+                                            <p:cond delay="0"/>
+                                          </p:stCondLst>
+                                        </p:cTn>
+                                        <p:tgtEl>
+                                          <p:spTgt spid="3">
+                                            <p:txEl>
+                                              <p:pRg st="1" end="1"/>
+                                            </p:txEl>
+                                          </p:spTgt>
+                                        </p:tgtEl>
+                                        <p:attrNameLst>
+                                          <p:attrName>style.visibility</p:attrName>
+                                        </p:attrNameLst>
+                                      </p:cBhvr>
+                                      <p:to>
+                                        <p:strVal val="visible"/>
+                                      </p:to>
+                                    </p:set>
+                                  </p:childTnLst>
+                                </p:cTn>
+                              </p:par>
+                            </p:childTnLst>
+                          </p:cTn>
+                        </p:par>
+                      </p:childTnLst>
+                    </p:cTn>
+                  </p:par>
+                  <p:par>
+                    <p:cTn id="11" fill="hold">
+                      <p:stCondLst>
+                        <p:cond delay="indefinite"/>
+                      </p:stCondLst>
+                      <p:childTnLst>
+                        <p:par>
+                          <p:cTn id="12" fill="hold">
+                            <p:stCondLst>
+                              <p:cond delay="0"/>
+                            </p:stCondLst>
+                            <p:childTnLst>
+                              <p:par>
+                                <p:cTn id="13" presetID="1" presetClass="entr" presetSubtype="0" fill="hold" grpId="0" nodeType="clickEffect">
+                                  <p:stCondLst>
+                                    <p:cond delay="0"/>
+                                  </p:stCondLst>
+                                  <p:childTnLst>
+                                    <p:set>
+                                      <p:cBhvr>
+                                        <p:cTn id="14" dur="1" fill="hold">
+                                          <p:stCondLst>
+                                            <p:cond delay="0"/>
+                                          </p:stCondLst>
+                                        </p:cTn>
+                                        <p:tgtEl>
+                                          <p:spTgt spid="3">
+                                            <p:txEl>
+                                              <p:pRg st="2" end="2"/>
+                                            </p:txEl>
+                                          </p:spTgt>
+                                        </p:tgtEl>
+                                        <p:attrNameLst>
+                                          <p:attrName>style.visibility</p:attrName>
+                                        </p:attrNameLst>
+                                      </p:cBhvr>
+                                      <p:to>
+                                        <p:strVal val="visible"/>
+                                      </p:to>
+                                    </p:set>
+                                  </p:childTnLst>
+                                </p:cTn>
+                              </p:par>
+                            </p:childTnLst>
+                          </p:cTn>
+                        </p:par>
+                      </p:childTnLst>
+                    </p:cTn>
+                  </p:par>
+                  <p:par>
+                    <p:cTn id="15" fill="hold">
+                      <p:stCondLst>
+                        <p:cond delay="indefinite"/>
+                      </p:stCondLst>
+                      <p:childTnLst>
+                        <p:par>
+                          <p:cTn id="16" fill="hold">
+                            <p:stCondLst>
+                              <p:cond delay="0"/>
+                            </p:stCondLst>
+                            <p:childTnLst>
+                              <p:par>
+                                <p:cTn id="17" presetID="1" presetClass="entr" presetSubtype="0" fill="hold" grpId="0" nodeType="clickEffect">
+                                  <p:stCondLst>
+                                    <p:cond delay="0"/>
+                                  </p:stCondLst>
+                                  <p:childTnLst>
+                                    <p:set>
+                                      <p:cBhvr>
+                                        <p:cTn id="18" dur="1" fill="hold">
+                                          <p:stCondLst>
+                                            <p:cond delay="0"/>
+                                          </p:stCondLst>
+                                        </p:cTn>
+                                        <p:tgtEl>
+                                          <p:spTgt spid="3">
+                                            <p:txEl>
+                                              <p:pRg st="3" end="3"/>
+                                            </p:txEl>
+                                          </p:spTgt>
+                                        </p:tgtEl>
+                                        <p:attrNameLst>
+                                          <p:attrName>style.visibility</p:attrName>
+                                        </p:attrNameLst>
+                                      </p:cBhvr>
+                                      <p:to>
+                                        <p:strVal val="visible"/>
+                                      </p:to>
+                                    </p:set>
+                                  </p:childTnLst>
+                                </p:cTn>
+                              </p:par>
+                            </p:childTnLst>
+                          </p:cTn>
+                        </p:par>
+                      </p:childTnLst>
+                    </p:cTn>
+                  </p:par>
+                </p:childTnLst>
+              </p:cTn>
+              <p:prevCondLst>
+                <p:cond evt="onPrev" delay="0">
+                  <p:tgtEl>
+                    <p:sldTgt/>
+                  </p:tgtEl>
+                </p:cond>
+              </p:prevCondLst>
+              <p:nextCondLst>
+                <p:cond evt="onNext" delay="0">
+                  <p:tgtEl>
+                    <p:sldTgt/>
+                  </p:tgtEl>
+                </p:cond>
+              </p:nextCondLst>
+            </p:seq>
+          </p:childTnLst>
+        </p:cTn>
+      </p:par>
+    </p:tnLst>
+    <p:bldLst>
+      <p:bldP spid="3" grpId="0" build="p"/>
+    </p:bldLst>
+  </p:timing>
+</p:sld>
+</file>
+
+<file path=ppt/slides/slide31.xml><?xml version="1.0" encoding="utf-8"?>
+<p:sld xmlns:a="http://schemas.openxmlformats.org/drawingml/2006/main" xmlns:r="http://schemas.openxmlformats.org/officeDocument/2006/relationships" xmlns:p="http://schemas.openxmlformats.org/presentationml/2006/main">
+  <p:cSld>
+    <p:spTree>
+      <p:nvGrpSpPr>
+        <p:cNvPr id="1" name=""/>
+        <p:cNvGrpSpPr/>
+        <p:nvPr/>
+      </p:nvGrpSpPr>
+      <p:grpSpPr>
+        <a:xfrm>
+          <a:off x="0" y="0"/>
+          <a:ext cx="0" cy="0"/>
+          <a:chOff x="0" y="0"/>
+          <a:chExt cx="0" cy="0"/>
+        </a:xfrm>
+      </p:grpSpPr>
+      <p:sp>
+        <p:nvSpPr>
+          <p:cNvPr id="2" name="Title 1">
+            <a:extLst>
+              <a:ext uri="{FF2B5EF4-FFF2-40B4-BE49-F238E27FC236}">
+                <a16:creationId xmlns:a16="http://schemas.microsoft.com/office/drawing/2014/main" id="{20D853F1-2ECF-465E-8A78-765C9B6723DE}"/>
+              </a:ext>
+            </a:extLst>
+          </p:cNvPr>
+          <p:cNvSpPr>
+            <a:spLocks noGrp="1"/>
+          </p:cNvSpPr>
+          <p:nvPr>
+            <p:ph type="title"/>
+          </p:nvPr>
+        </p:nvSpPr>
+        <p:spPr/>
+        <p:txBody>
+          <a:bodyPr/>
+          <a:lstStyle/>
+          <a:p>
+            <a:r>
+              <a:rPr lang="da-DK" dirty="0"/>
+              <a:t>Use </a:t>
+            </a:r>
+            <a:r>
+              <a:rPr lang="da-DK" i="1" dirty="0"/>
+              <a:t>user secrets</a:t>
+            </a:r>
+            <a:r>
+              <a:rPr lang="da-DK" dirty="0"/>
+              <a:t> in development</a:t>
+            </a:r>
+            <a:endParaRPr lang="LID4096" dirty="0"/>
+          </a:p>
+        </p:txBody>
+      </p:sp>
+      <p:sp>
+        <p:nvSpPr>
+          <p:cNvPr id="3" name="Text Placeholder 2">
+            <a:extLst>
+              <a:ext uri="{FF2B5EF4-FFF2-40B4-BE49-F238E27FC236}">
+                <a16:creationId xmlns:a16="http://schemas.microsoft.com/office/drawing/2014/main" id="{E584C438-7BD9-46E8-AF3A-FFB7D8F31073}"/>
+              </a:ext>
+            </a:extLst>
+          </p:cNvPr>
+          <p:cNvSpPr>
+            <a:spLocks noGrp="1"/>
+          </p:cNvSpPr>
+          <p:nvPr>
+            <p:ph type="body" sz="quarter" idx="10"/>
+          </p:nvPr>
+        </p:nvSpPr>
+        <p:spPr>
+          <a:xfrm>
+            <a:off x="586390" y="1434370"/>
+            <a:ext cx="11018520" cy="1625060"/>
+          </a:xfrm>
+        </p:spPr>
+        <p:txBody>
+          <a:bodyPr/>
+          <a:lstStyle/>
+          <a:p>
+            <a:r>
+              <a:rPr lang="da-DK" sz="2400" dirty="0">
+                <a:latin typeface="Consolas" panose="020B0609020204030204" pitchFamily="49" charset="0"/>
+              </a:rPr>
+              <a:t>dotnet user-secrets init</a:t>
+            </a:r>
+          </a:p>
+          <a:p>
+            <a:r>
+              <a:rPr lang="da-DK" sz="2400" dirty="0">
+                <a:latin typeface="Consolas" panose="020B0609020204030204" pitchFamily="49" charset="0"/>
+              </a:rPr>
+              <a:t>dotnet user-secrets set "ConnectionStrings:&lt;connectionstring-name&gt;" "&lt;connnection-string&gt;"</a:t>
+            </a:r>
+          </a:p>
+          <a:p>
+            <a:endParaRPr lang="LID4096" sz="2400" dirty="0"/>
+          </a:p>
+        </p:txBody>
+      </p:sp>
+    </p:spTree>
+    <p:extLst>
+      <p:ext uri="{BB962C8B-B14F-4D97-AF65-F5344CB8AC3E}">
+        <p14:creationId xmlns:p14="http://schemas.microsoft.com/office/powerpoint/2010/main" val="157594821"/>
+      </p:ext>
+    </p:extLst>
+  </p:cSld>
+  <p:clrMapOvr>
+    <a:masterClrMapping/>
+  </p:clrMapOvr>
+  <p:transition>
+    <p:fade/>
+  </p:transition>
+</p:sld>
+</file>
+
+<file path=ppt/slides/slide32.xml><?xml version="1.0" encoding="utf-8"?>
+<p:sld xmlns:a="http://schemas.openxmlformats.org/drawingml/2006/main" xmlns:r="http://schemas.openxmlformats.org/officeDocument/2006/relationships" xmlns:p="http://schemas.openxmlformats.org/presentationml/2006/main">
+  <p:cSld>
+    <p:spTree>
+      <p:nvGrpSpPr>
+        <p:cNvPr id="1" name=""/>
+        <p:cNvGrpSpPr/>
+        <p:nvPr/>
+      </p:nvGrpSpPr>
+      <p:grpSpPr>
+        <a:xfrm>
+          <a:off x="0" y="0"/>
+          <a:ext cx="0" cy="0"/>
+          <a:chOff x="0" y="0"/>
+          <a:chExt cx="0" cy="0"/>
+        </a:xfrm>
+      </p:grpSpPr>
+      <p:sp>
+        <p:nvSpPr>
+          <p:cNvPr id="2" name="Title 1">
+            <a:extLst>
+              <a:ext uri="{FF2B5EF4-FFF2-40B4-BE49-F238E27FC236}">
+                <a16:creationId xmlns:a16="http://schemas.microsoft.com/office/drawing/2014/main" id="{48FB9457-4710-4974-8036-3C5C835EC485}"/>
+              </a:ext>
+            </a:extLst>
+          </p:cNvPr>
+          <p:cNvSpPr>
+            <a:spLocks noGrp="1"/>
+          </p:cNvSpPr>
+          <p:nvPr>
+            <p:ph type="title"/>
+          </p:nvPr>
+        </p:nvSpPr>
+        <p:spPr/>
+        <p:txBody>
+          <a:bodyPr/>
+          <a:lstStyle/>
+          <a:p>
+            <a:r>
+              <a:rPr lang="da-DK" dirty="0"/>
+              <a:t>Use built-in IoC container</a:t>
+            </a:r>
+            <a:endParaRPr lang="LID4096" dirty="0"/>
+          </a:p>
+        </p:txBody>
+      </p:sp>
+      <p:sp>
+        <p:nvSpPr>
+          <p:cNvPr id="3" name="Text Placeholder 2">
+            <a:extLst>
+              <a:ext uri="{FF2B5EF4-FFF2-40B4-BE49-F238E27FC236}">
+                <a16:creationId xmlns:a16="http://schemas.microsoft.com/office/drawing/2014/main" id="{7B686F4D-992A-457E-9814-68BBA05C9644}"/>
+              </a:ext>
+            </a:extLst>
+          </p:cNvPr>
+          <p:cNvSpPr>
+            <a:spLocks noGrp="1"/>
+          </p:cNvSpPr>
+          <p:nvPr>
+            <p:ph type="body" sz="quarter" idx="10"/>
+          </p:nvPr>
+        </p:nvSpPr>
+        <p:spPr>
+          <a:xfrm>
+            <a:off x="586390" y="1434370"/>
+            <a:ext cx="11018520" cy="1828193"/>
+          </a:xfrm>
+        </p:spPr>
+        <p:txBody>
+          <a:bodyPr/>
+          <a:lstStyle/>
+          <a:p>
+            <a:r>
+              <a:rPr lang="da-DK" sz="1800" dirty="0">
+                <a:latin typeface="Consolas" panose="020B0609020204030204" pitchFamily="49" charset="0"/>
+              </a:rPr>
+              <a:t>services.AddDbContext&lt;MyContext&gt;(o =&gt; </a:t>
+            </a:r>
+            <a:br>
+              <a:rPr lang="da-DK" sz="1800" dirty="0">
+                <a:latin typeface="Consolas" panose="020B0609020204030204" pitchFamily="49" charset="0"/>
+              </a:rPr>
+            </a:br>
+            <a:r>
+              <a:rPr lang="da-DK" sz="1800" dirty="0">
+                <a:latin typeface="Consolas" panose="020B0609020204030204" pitchFamily="49" charset="0"/>
+              </a:rPr>
+              <a:t>    o.UseSqlServer(Configuration.GetConnectionString("MyConnectionStringName"))</a:t>
+            </a:r>
+            <a:br>
+              <a:rPr lang="da-DK" sz="1800" dirty="0">
+                <a:latin typeface="Consolas" panose="020B0609020204030204" pitchFamily="49" charset="0"/>
+              </a:rPr>
+            </a:br>
+            <a:r>
+              <a:rPr lang="da-DK" sz="1800" dirty="0">
+                <a:latin typeface="Consolas" panose="020B0609020204030204" pitchFamily="49" charset="0"/>
+              </a:rPr>
+              <a:t>);</a:t>
+            </a:r>
+          </a:p>
+          <a:p>
+            <a:r>
+              <a:rPr lang="da-DK" sz="1800" dirty="0">
+                <a:latin typeface="Consolas" panose="020B0609020204030204" pitchFamily="49" charset="0"/>
+              </a:rPr>
+              <a:t>services.AddScoped&lt;IMyContext, MyContext&gt;();</a:t>
+            </a:r>
+          </a:p>
+          <a:p>
+            <a:r>
+              <a:rPr lang="da-DK" sz="1800" dirty="0">
+                <a:latin typeface="Consolas" panose="020B0609020204030204" pitchFamily="49" charset="0"/>
+              </a:rPr>
+              <a:t>services.AddScoped&lt;IMyRepository, MyRepository&gt;();</a:t>
+            </a:r>
+          </a:p>
+          <a:p>
+            <a:endParaRPr lang="LID4096" sz="1800" dirty="0">
+              <a:latin typeface="Consolas" panose="020B0609020204030204" pitchFamily="49" charset="0"/>
+            </a:endParaRPr>
+          </a:p>
+        </p:txBody>
+      </p:sp>
+    </p:spTree>
+    <p:extLst>
+      <p:ext uri="{BB962C8B-B14F-4D97-AF65-F5344CB8AC3E}">
+        <p14:creationId xmlns:p14="http://schemas.microsoft.com/office/powerpoint/2010/main" val="3003247473"/>
+      </p:ext>
+    </p:extLst>
+  </p:cSld>
+  <p:clrMapOvr>
+    <a:masterClrMapping/>
+  </p:clrMapOvr>
+  <p:transition>
+    <p:fade/>
+  </p:transition>
+</p:sld>
+</file>
+
+<file path=ppt/slides/slide33.xml><?xml version="1.0" encoding="utf-8"?>
+<p:sld xmlns:a="http://schemas.openxmlformats.org/drawingml/2006/main" xmlns:r="http://schemas.openxmlformats.org/officeDocument/2006/relationships" xmlns:p="http://schemas.openxmlformats.org/presentationml/2006/main">
+  <p:cSld>
+    <p:spTree>
+      <p:nvGrpSpPr>
+        <p:cNvPr id="1" name=""/>
+        <p:cNvGrpSpPr/>
+        <p:nvPr/>
+      </p:nvGrpSpPr>
+      <p:grpSpPr>
+        <a:xfrm>
+          <a:off x="0" y="0"/>
+          <a:ext cx="0" cy="0"/>
+          <a:chOff x="0" y="0"/>
+          <a:chExt cx="0" cy="0"/>
+        </a:xfrm>
+      </p:grpSpPr>
+      <p:sp>
+        <p:nvSpPr>
+          <p:cNvPr id="2" name="Title 1">
+            <a:extLst>
+              <a:ext uri="{FF2B5EF4-FFF2-40B4-BE49-F238E27FC236}">
+                <a16:creationId xmlns:a16="http://schemas.microsoft.com/office/drawing/2014/main" id="{C8A019B1-093E-4A6C-BACF-1E8BCD1EB59C}"/>
+              </a:ext>
+            </a:extLst>
+          </p:cNvPr>
+          <p:cNvSpPr>
+            <a:spLocks noGrp="1"/>
+          </p:cNvSpPr>
+          <p:nvPr>
+            <p:ph type="title"/>
+          </p:nvPr>
+        </p:nvSpPr>
+        <p:spPr/>
+        <p:txBody>
+          <a:bodyPr/>
+          <a:lstStyle/>
+          <a:p>
+            <a:r>
+              <a:rPr lang="da-DK" dirty="0"/>
+              <a:t>Consider running migrations on load</a:t>
+            </a:r>
+            <a:endParaRPr lang="LID4096" dirty="0"/>
+          </a:p>
+        </p:txBody>
+      </p:sp>
+      <p:sp>
+        <p:nvSpPr>
+          <p:cNvPr id="3" name="Text Placeholder 2">
+            <a:extLst>
+              <a:ext uri="{FF2B5EF4-FFF2-40B4-BE49-F238E27FC236}">
+                <a16:creationId xmlns:a16="http://schemas.microsoft.com/office/drawing/2014/main" id="{8F460DE8-2CBD-4E6D-AC3B-E24AF02A3E19}"/>
+              </a:ext>
+            </a:extLst>
+          </p:cNvPr>
+          <p:cNvSpPr>
+            <a:spLocks noGrp="1"/>
+          </p:cNvSpPr>
+          <p:nvPr>
+            <p:ph type="body" sz="quarter" idx="10"/>
+          </p:nvPr>
+        </p:nvSpPr>
+        <p:spPr>
+          <a:xfrm>
+            <a:off x="586390" y="1434370"/>
+            <a:ext cx="11018520" cy="2462213"/>
+          </a:xfrm>
+        </p:spPr>
+        <p:txBody>
+          <a:bodyPr/>
+          <a:lstStyle/>
+          <a:p>
+            <a:r>
+              <a:rPr lang="da-DK" sz="2000" dirty="0">
+                <a:latin typeface="Consolas" panose="020B0609020204030204" pitchFamily="49" charset="0"/>
+              </a:rPr>
+              <a:t>using (var serviceScope = app.ApplicationServices</a:t>
+            </a:r>
+            <a:br>
+              <a:rPr lang="da-DK" sz="2000" dirty="0">
+                <a:latin typeface="Consolas" panose="020B0609020204030204" pitchFamily="49" charset="0"/>
+              </a:rPr>
+            </a:br>
+            <a:r>
+              <a:rPr lang="da-DK" sz="2000" dirty="0">
+                <a:latin typeface="Consolas" panose="020B0609020204030204" pitchFamily="49" charset="0"/>
+              </a:rPr>
+              <a:t>    .GetRequiredService&lt;IServiceScopeFactory&gt;().CreateScope())</a:t>
+            </a:r>
+          </a:p>
+          <a:p>
+            <a:r>
+              <a:rPr lang="da-DK" sz="2000" dirty="0">
+                <a:latin typeface="Consolas" panose="020B0609020204030204" pitchFamily="49" charset="0"/>
+              </a:rPr>
+              <a:t>{</a:t>
+            </a:r>
+          </a:p>
+          <a:p>
+            <a:r>
+              <a:rPr lang="da-DK" sz="2000" dirty="0">
+                <a:latin typeface="Consolas" panose="020B0609020204030204" pitchFamily="49" charset="0"/>
+              </a:rPr>
+              <a:t>    var context = serviceScope.ServiceProvider.GetService&lt;SuperheroContext&gt;();</a:t>
+            </a:r>
+          </a:p>
+          <a:p>
+            <a:r>
+              <a:rPr lang="da-DK" sz="2000" dirty="0">
+                <a:latin typeface="Consolas" panose="020B0609020204030204" pitchFamily="49" charset="0"/>
+              </a:rPr>
+              <a:t>    context.Database.Migrate();</a:t>
+            </a:r>
+          </a:p>
+          <a:p>
+            <a:r>
+              <a:rPr lang="da-DK" sz="2000" dirty="0">
+                <a:latin typeface="Consolas" panose="020B0609020204030204" pitchFamily="49" charset="0"/>
+              </a:rPr>
+              <a:t>}</a:t>
+            </a:r>
+          </a:p>
+          <a:p>
+            <a:endParaRPr lang="LID4096" sz="2000" dirty="0">
+              <a:latin typeface="Consolas" panose="020B0609020204030204" pitchFamily="49" charset="0"/>
+            </a:endParaRPr>
+          </a:p>
+        </p:txBody>
+      </p:sp>
+    </p:spTree>
+    <p:extLst>
+      <p:ext uri="{BB962C8B-B14F-4D97-AF65-F5344CB8AC3E}">
+        <p14:creationId xmlns:p14="http://schemas.microsoft.com/office/powerpoint/2010/main" val="2848509671"/>
+      </p:ext>
+    </p:extLst>
+  </p:cSld>
+  <p:clrMapOvr>
+    <a:masterClrMapping/>
+  </p:clrMapOvr>
+  <p:transition>
+    <p:fade/>
+  </p:transition>
+</p:sld>
+</file>
+
+<file path=ppt/slides/slide34.xml><?xml version="1.0" encoding="utf-8"?>
+<p:sld xmlns:a="http://schemas.openxmlformats.org/drawingml/2006/main" xmlns:r="http://schemas.openxmlformats.org/officeDocument/2006/relationships" xmlns:p="http://schemas.openxmlformats.org/presentationml/2006/main">
+  <p:cSld>
+    <p:spTree>
+      <p:nvGrpSpPr>
+        <p:cNvPr id="1" name=""/>
+        <p:cNvGrpSpPr/>
+        <p:nvPr/>
+      </p:nvGrpSpPr>
+      <p:grpSpPr>
+        <a:xfrm>
+          <a:off x="0" y="0"/>
+          <a:ext cx="0" cy="0"/>
+          <a:chOff x="0" y="0"/>
+          <a:chExt cx="0" cy="0"/>
+        </a:xfrm>
+      </p:grpSpPr>
+      <p:sp>
+        <p:nvSpPr>
+          <p:cNvPr id="2" name="Title 1">
+            <a:extLst>
+              <a:ext uri="{FF2B5EF4-FFF2-40B4-BE49-F238E27FC236}">
+                <a16:creationId xmlns:a16="http://schemas.microsoft.com/office/drawing/2014/main" id="{70920CA4-57E3-4887-BBF1-90132065754E}"/>
+              </a:ext>
+            </a:extLst>
+          </p:cNvPr>
+          <p:cNvSpPr>
+            <a:spLocks noGrp="1"/>
+          </p:cNvSpPr>
+          <p:nvPr>
+            <p:ph type="title"/>
+          </p:nvPr>
+        </p:nvSpPr>
+        <p:spPr>
+          <a:xfrm>
+            <a:off x="588263" y="457200"/>
+            <a:ext cx="11018520" cy="553998"/>
+          </a:xfrm>
+        </p:spPr>
+        <p:txBody>
+          <a:bodyPr/>
+          <a:lstStyle/>
+          <a:p>
+            <a:r>
+              <a:rPr lang="da-DK" dirty="0"/>
+              <a:t>Support the OpenAPI Specification (Swagger)</a:t>
+            </a:r>
+            <a:endParaRPr lang="LID4096" dirty="0"/>
+          </a:p>
+        </p:txBody>
+      </p:sp>
+      <p:sp>
+        <p:nvSpPr>
+          <p:cNvPr id="3" name="Text Placeholder 2">
+            <a:extLst>
+              <a:ext uri="{FF2B5EF4-FFF2-40B4-BE49-F238E27FC236}">
+                <a16:creationId xmlns:a16="http://schemas.microsoft.com/office/drawing/2014/main" id="{33381EC3-2A80-46B5-80F4-1F536895ED55}"/>
+              </a:ext>
+            </a:extLst>
+          </p:cNvPr>
+          <p:cNvSpPr>
+            <a:spLocks noGrp="1"/>
+          </p:cNvSpPr>
+          <p:nvPr>
+            <p:ph type="body" sz="quarter" idx="10"/>
+          </p:nvPr>
+        </p:nvSpPr>
+        <p:spPr>
+          <a:xfrm>
+            <a:off x="586390" y="1434370"/>
+            <a:ext cx="11018520" cy="4739759"/>
+          </a:xfrm>
+        </p:spPr>
+        <p:txBody>
+          <a:bodyPr/>
+          <a:lstStyle/>
+          <a:p>
+            <a:r>
+              <a:rPr lang="da-DK" sz="2000" dirty="0">
+                <a:latin typeface="Consolas" panose="020B0609020204030204" pitchFamily="49" charset="0"/>
+              </a:rPr>
+              <a:t>dotnet add package Swashbuckle.AspNetCore --version 5.0.0-rc4</a:t>
+            </a:r>
+          </a:p>
+          <a:p>
+            <a:endParaRPr lang="da-DK" sz="2000" dirty="0">
+              <a:latin typeface="Consolas" panose="020B0609020204030204" pitchFamily="49" charset="0"/>
+            </a:endParaRPr>
+          </a:p>
+          <a:p>
+            <a:r>
+              <a:rPr lang="da-DK" sz="2000" dirty="0">
+                <a:latin typeface="Consolas" panose="020B0609020204030204" pitchFamily="49" charset="0"/>
+              </a:rPr>
+              <a:t>services.AddSwaggerGen(c =&gt;</a:t>
+            </a:r>
+          </a:p>
+          <a:p>
+            <a:r>
+              <a:rPr lang="da-DK" sz="2000" dirty="0">
+                <a:latin typeface="Consolas" panose="020B0609020204030204" pitchFamily="49" charset="0"/>
+              </a:rPr>
+              <a:t>{</a:t>
+            </a:r>
+          </a:p>
+          <a:p>
+            <a:r>
+              <a:rPr lang="da-DK" sz="2000" dirty="0">
+                <a:latin typeface="Consolas" panose="020B0609020204030204" pitchFamily="49" charset="0"/>
+              </a:rPr>
+              <a:t>    c.SwaggerDoc("v1", new OpenApiInfo { Title = "My API", Version = "v1" });</a:t>
+            </a:r>
+          </a:p>
+          <a:p>
+            <a:r>
+              <a:rPr lang="da-DK" sz="2000" dirty="0">
+                <a:latin typeface="Consolas" panose="020B0609020204030204" pitchFamily="49" charset="0"/>
+              </a:rPr>
+              <a:t>});</a:t>
+            </a:r>
+          </a:p>
+          <a:p>
+            <a:endParaRPr lang="da-DK" sz="2000" dirty="0">
+              <a:latin typeface="Consolas" panose="020B0609020204030204" pitchFamily="49" charset="0"/>
+            </a:endParaRPr>
+          </a:p>
+          <a:p>
+            <a:r>
+              <a:rPr lang="da-DK" sz="2000" dirty="0">
+                <a:latin typeface="Consolas" panose="020B0609020204030204" pitchFamily="49" charset="0"/>
+              </a:rPr>
+              <a:t>app.UseSwagger();</a:t>
+            </a:r>
+          </a:p>
+          <a:p>
+            <a:r>
+              <a:rPr lang="da-DK" sz="2000" dirty="0">
+                <a:latin typeface="Consolas" panose="020B0609020204030204" pitchFamily="49" charset="0"/>
+              </a:rPr>
+              <a:t>app.UseSwaggerUI(c =&gt;</a:t>
+            </a:r>
+          </a:p>
+          <a:p>
+            <a:r>
+              <a:rPr lang="da-DK" sz="2000" dirty="0">
+                <a:latin typeface="Consolas" panose="020B0609020204030204" pitchFamily="49" charset="0"/>
+              </a:rPr>
+              <a:t>{</a:t>
+            </a:r>
+          </a:p>
+          <a:p>
+            <a:r>
+              <a:rPr lang="da-DK" sz="2000" dirty="0">
+                <a:latin typeface="Consolas" panose="020B0609020204030204" pitchFamily="49" charset="0"/>
+              </a:rPr>
+              <a:t>    c.SwaggerEndpoint("/swagger/v1/swagger.json", "My API V1");</a:t>
+            </a:r>
+          </a:p>
+          <a:p>
+            <a:r>
+              <a:rPr lang="da-DK" sz="2000" dirty="0">
+                <a:latin typeface="Consolas" panose="020B0609020204030204" pitchFamily="49" charset="0"/>
+              </a:rPr>
+              <a:t>    c.RoutePrefix = string.Empty;</a:t>
+            </a:r>
+          </a:p>
+          <a:p>
+            <a:r>
+              <a:rPr lang="da-DK" sz="2000" dirty="0">
+                <a:latin typeface="Consolas" panose="020B0609020204030204" pitchFamily="49" charset="0"/>
+              </a:rPr>
+              <a:t>});</a:t>
+            </a:r>
+          </a:p>
+        </p:txBody>
+      </p:sp>
+    </p:spTree>
+    <p:extLst>
+      <p:ext uri="{BB962C8B-B14F-4D97-AF65-F5344CB8AC3E}">
+        <p14:creationId xmlns:p14="http://schemas.microsoft.com/office/powerpoint/2010/main" val="1717246630"/>
+      </p:ext>
+    </p:extLst>
+  </p:cSld>
+  <p:clrMapOvr>
+    <a:masterClrMapping/>
+  </p:clrMapOvr>
+  <p:transition>
+    <p:fade/>
+  </p:transition>
+</p:sld>
+</file>
+
+<file path=ppt/slides/slide35.xml><?xml version="1.0" encoding="utf-8"?>
+<p:sld xmlns:a="http://schemas.openxmlformats.org/drawingml/2006/main" xmlns:r="http://schemas.openxmlformats.org/officeDocument/2006/relationships" xmlns:p="http://schemas.openxmlformats.org/presentationml/2006/main">
+  <p:cSld>
+    <p:spTree>
+      <p:nvGrpSpPr>
+        <p:cNvPr id="1" name=""/>
+        <p:cNvGrpSpPr/>
+        <p:nvPr/>
+      </p:nvGrpSpPr>
+      <p:grpSpPr>
+        <a:xfrm>
+          <a:off x="0" y="0"/>
+          <a:ext cx="0" cy="0"/>
+          <a:chOff x="0" y="0"/>
+          <a:chExt cx="0" cy="0"/>
+        </a:xfrm>
+      </p:grpSpPr>
+      <p:sp>
+        <p:nvSpPr>
+          <p:cNvPr id="2" name="Title 1">
+            <a:extLst>
+              <a:ext uri="{FF2B5EF4-FFF2-40B4-BE49-F238E27FC236}">
+                <a16:creationId xmlns:a16="http://schemas.microsoft.com/office/drawing/2014/main" id="{EFE74CDD-F28E-4DC5-8ACD-120919865C6C}"/>
+              </a:ext>
+            </a:extLst>
+          </p:cNvPr>
+          <p:cNvSpPr>
+            <a:spLocks noGrp="1"/>
+          </p:cNvSpPr>
+          <p:nvPr>
+            <p:ph type="title"/>
+          </p:nvPr>
+        </p:nvSpPr>
+        <p:spPr/>
+        <p:txBody>
+          <a:bodyPr/>
+          <a:lstStyle/>
+          <a:p>
+            <a:r>
+              <a:rPr lang="da-DK" dirty="0"/>
+              <a:t>Support HTTPS </a:t>
+            </a:r>
+            <a:r>
+              <a:rPr lang="da-DK" i="1" dirty="0"/>
+              <a:t>only</a:t>
+            </a:r>
+            <a:endParaRPr lang="LID4096" dirty="0"/>
+          </a:p>
+        </p:txBody>
+      </p:sp>
+      <p:sp>
+        <p:nvSpPr>
+          <p:cNvPr id="3" name="Text Placeholder 2">
+            <a:extLst>
+              <a:ext uri="{FF2B5EF4-FFF2-40B4-BE49-F238E27FC236}">
+                <a16:creationId xmlns:a16="http://schemas.microsoft.com/office/drawing/2014/main" id="{C2D5E3DA-283B-4FF6-AE04-6896AF4FB8D4}"/>
+              </a:ext>
+            </a:extLst>
+          </p:cNvPr>
+          <p:cNvSpPr>
+            <a:spLocks noGrp="1"/>
+          </p:cNvSpPr>
+          <p:nvPr>
+            <p:ph type="body" sz="quarter" idx="10"/>
+          </p:nvPr>
+        </p:nvSpPr>
+        <p:spPr>
+          <a:xfrm>
+            <a:off x="586390" y="1434370"/>
+            <a:ext cx="11018520" cy="1465016"/>
+          </a:xfrm>
+        </p:spPr>
+        <p:txBody>
+          <a:bodyPr/>
+          <a:lstStyle/>
+          <a:p>
+            <a:r>
+              <a:rPr lang="da-DK" dirty="0"/>
+              <a:t>dotnet dev-certs https --trust</a:t>
+            </a:r>
+          </a:p>
+          <a:p>
+            <a:endParaRPr lang="da-DK" dirty="0"/>
+          </a:p>
+          <a:p>
+            <a:r>
+              <a:rPr lang="da-DK" dirty="0"/>
+              <a:t>app.UseHttpsRedirection();</a:t>
+            </a:r>
+          </a:p>
+        </p:txBody>
+      </p:sp>
+    </p:spTree>
+    <p:extLst>
+      <p:ext uri="{BB962C8B-B14F-4D97-AF65-F5344CB8AC3E}">
+        <p14:creationId xmlns:p14="http://schemas.microsoft.com/office/powerpoint/2010/main" val="1527914835"/>
+      </p:ext>
+    </p:extLst>
+  </p:cSld>
+  <p:clrMapOvr>
+    <a:masterClrMapping/>
+  </p:clrMapOvr>
+  <p:transition>
+    <p:fade/>
+  </p:transition>
+</p:sld>
+</file>
+
+<file path=ppt/slides/slide36.xml><?xml version="1.0" encoding="utf-8"?>
+<p:sld xmlns:a="http://schemas.openxmlformats.org/drawingml/2006/main" xmlns:r="http://schemas.openxmlformats.org/officeDocument/2006/relationships" xmlns:p="http://schemas.openxmlformats.org/presentationml/2006/main">
+  <p:cSld>
+    <p:spTree>
+      <p:nvGrpSpPr>
+        <p:cNvPr id="1" name=""/>
+        <p:cNvGrpSpPr/>
+        <p:nvPr/>
+      </p:nvGrpSpPr>
+      <p:grpSpPr>
+        <a:xfrm>
+          <a:off x="0" y="0"/>
+          <a:ext cx="0" cy="0"/>
+          <a:chOff x="0" y="0"/>
+          <a:chExt cx="0" cy="0"/>
+        </a:xfrm>
+      </p:grpSpPr>
+      <p:sp>
+        <p:nvSpPr>
+          <p:cNvPr id="2" name="Title 1">
+            <a:extLst>
+              <a:ext uri="{FF2B5EF4-FFF2-40B4-BE49-F238E27FC236}">
+                <a16:creationId xmlns:a16="http://schemas.microsoft.com/office/drawing/2014/main" id="{3FFBA950-9493-4E46-AEE8-298E13FD15F3}"/>
+              </a:ext>
+            </a:extLst>
+          </p:cNvPr>
+          <p:cNvSpPr>
+            <a:spLocks noGrp="1"/>
+          </p:cNvSpPr>
+          <p:nvPr>
+            <p:ph type="title"/>
+          </p:nvPr>
+        </p:nvSpPr>
+        <p:spPr/>
+        <p:txBody>
+          <a:bodyPr/>
+          <a:lstStyle/>
+          <a:p>
+            <a:r>
+              <a:rPr lang="da-DK" dirty="0"/>
+              <a:t>Standardize on lowercase urls</a:t>
+            </a:r>
+            <a:endParaRPr lang="LID4096" dirty="0"/>
+          </a:p>
+        </p:txBody>
+      </p:sp>
+      <p:sp>
+        <p:nvSpPr>
+          <p:cNvPr id="3" name="Text Placeholder 2">
+            <a:extLst>
+              <a:ext uri="{FF2B5EF4-FFF2-40B4-BE49-F238E27FC236}">
+                <a16:creationId xmlns:a16="http://schemas.microsoft.com/office/drawing/2014/main" id="{9C7BB376-FD3D-4653-802F-9CF769DF494F}"/>
+              </a:ext>
+            </a:extLst>
+          </p:cNvPr>
+          <p:cNvSpPr>
+            <a:spLocks noGrp="1"/>
+          </p:cNvSpPr>
+          <p:nvPr>
+            <p:ph type="body" sz="quarter" idx="10"/>
+          </p:nvPr>
+        </p:nvSpPr>
+        <p:spPr>
+          <a:xfrm>
+            <a:off x="586390" y="1434370"/>
+            <a:ext cx="11018520" cy="369332"/>
+          </a:xfrm>
+        </p:spPr>
+        <p:txBody>
+          <a:bodyPr/>
+          <a:lstStyle/>
+          <a:p>
+            <a:r>
+              <a:rPr lang="en-US" sz="2400" dirty="0" err="1">
+                <a:latin typeface="Consolas" panose="020B0609020204030204" pitchFamily="49" charset="0"/>
+              </a:rPr>
+              <a:t>services.AddRouting</a:t>
+            </a:r>
+            <a:r>
+              <a:rPr lang="en-US" sz="2400" dirty="0">
+                <a:latin typeface="Consolas" panose="020B0609020204030204" pitchFamily="49" charset="0"/>
+              </a:rPr>
+              <a:t>(options =&gt; </a:t>
+            </a:r>
+            <a:r>
+              <a:rPr lang="en-US" sz="2400" dirty="0" err="1">
+                <a:latin typeface="Consolas" panose="020B0609020204030204" pitchFamily="49" charset="0"/>
+              </a:rPr>
+              <a:t>options.LowercaseUrls</a:t>
+            </a:r>
+            <a:r>
+              <a:rPr lang="en-US" sz="2400" dirty="0">
+                <a:latin typeface="Consolas" panose="020B0609020204030204" pitchFamily="49" charset="0"/>
+              </a:rPr>
+              <a:t> = true);</a:t>
+            </a:r>
+          </a:p>
+        </p:txBody>
+      </p:sp>
+    </p:spTree>
+    <p:extLst>
+      <p:ext uri="{BB962C8B-B14F-4D97-AF65-F5344CB8AC3E}">
+        <p14:creationId xmlns:p14="http://schemas.microsoft.com/office/powerpoint/2010/main" val="1597360071"/>
+      </p:ext>
+    </p:extLst>
+  </p:cSld>
+  <p:clrMapOvr>
+    <a:masterClrMapping/>
+  </p:clrMapOvr>
+  <p:transition>
+    <p:fade/>
+  </p:transition>
+</p:sld>
+</file>
+
+<file path=ppt/slides/slide37.xml><?xml version="1.0" encoding="utf-8"?>
+<p:sld xmlns:a="http://schemas.openxmlformats.org/drawingml/2006/main" xmlns:r="http://schemas.openxmlformats.org/officeDocument/2006/relationships" xmlns:p="http://schemas.openxmlformats.org/presentationml/2006/main">
+  <p:cSld>
+    <p:spTree>
+      <p:nvGrpSpPr>
+        <p:cNvPr id="1" name=""/>
+        <p:cNvGrpSpPr/>
+        <p:nvPr/>
+      </p:nvGrpSpPr>
+      <p:grpSpPr>
+        <a:xfrm>
+          <a:off x="0" y="0"/>
+          <a:ext cx="0" cy="0"/>
+          <a:chOff x="0" y="0"/>
+          <a:chExt cx="0" cy="0"/>
+        </a:xfrm>
+      </p:grpSpPr>
+      <p:sp>
+        <p:nvSpPr>
+          <p:cNvPr id="2" name="Title 1">
+            <a:extLst>
+              <a:ext uri="{FF2B5EF4-FFF2-40B4-BE49-F238E27FC236}">
+                <a16:creationId xmlns:a16="http://schemas.microsoft.com/office/drawing/2014/main" id="{B47AF6D1-0F0B-4FA1-8637-E942CB8DF76D}"/>
+              </a:ext>
+            </a:extLst>
+          </p:cNvPr>
+          <p:cNvSpPr>
+            <a:spLocks noGrp="1"/>
+          </p:cNvSpPr>
+          <p:nvPr>
+            <p:ph type="title"/>
+          </p:nvPr>
+        </p:nvSpPr>
+        <p:spPr/>
+        <p:txBody>
+          <a:bodyPr/>
+          <a:lstStyle/>
+          <a:p>
+            <a:r>
+              <a:rPr lang="da-DK" dirty="0"/>
+              <a:t>Secure your Web API</a:t>
+            </a:r>
+            <a:endParaRPr lang="LID4096" dirty="0"/>
+          </a:p>
+        </p:txBody>
+      </p:sp>
+      <p:sp>
+        <p:nvSpPr>
+          <p:cNvPr id="3" name="Text Placeholder 2">
+            <a:extLst>
+              <a:ext uri="{FF2B5EF4-FFF2-40B4-BE49-F238E27FC236}">
+                <a16:creationId xmlns:a16="http://schemas.microsoft.com/office/drawing/2014/main" id="{60A2BDAF-D7A7-4D2D-A949-E17E505F4BFE}"/>
+              </a:ext>
+            </a:extLst>
+          </p:cNvPr>
+          <p:cNvSpPr>
+            <a:spLocks noGrp="1"/>
+          </p:cNvSpPr>
+          <p:nvPr>
+            <p:ph type="body" sz="quarter" idx="10"/>
+          </p:nvPr>
+        </p:nvSpPr>
+        <p:spPr>
+          <a:xfrm>
+            <a:off x="586390" y="1434370"/>
+            <a:ext cx="11018520" cy="1465016"/>
+          </a:xfrm>
+        </p:spPr>
+        <p:txBody>
+          <a:bodyPr/>
+          <a:lstStyle/>
+          <a:p>
+            <a:r>
+              <a:rPr lang="da-DK" dirty="0"/>
+              <a:t>Azure AD (lecture 11)</a:t>
+            </a:r>
+          </a:p>
+          <a:p>
+            <a:r>
+              <a:rPr lang="da-DK" dirty="0"/>
+              <a:t>Azure AD B2C</a:t>
+            </a:r>
+          </a:p>
+          <a:p>
+            <a:r>
+              <a:rPr lang="da-DK" dirty="0"/>
+              <a:t>Other 3rd party</a:t>
+            </a:r>
+          </a:p>
+        </p:txBody>
+      </p:sp>
+      <p:sp>
+        <p:nvSpPr>
+          <p:cNvPr id="6" name="Rectangle: Rounded Corners 5">
+            <a:extLst>
+              <a:ext uri="{FF2B5EF4-FFF2-40B4-BE49-F238E27FC236}">
+                <a16:creationId xmlns:a16="http://schemas.microsoft.com/office/drawing/2014/main" id="{B292E731-DA6E-4C15-A6AE-BE40C8311ED4}"/>
+              </a:ext>
+            </a:extLst>
+          </p:cNvPr>
+          <p:cNvSpPr/>
+          <p:nvPr/>
+        </p:nvSpPr>
+        <p:spPr bwMode="auto">
+          <a:xfrm>
+            <a:off x="1734820" y="2550160"/>
+            <a:ext cx="8722360" cy="1757680"/>
+          </a:xfrm>
+          <a:prstGeom prst="roundRect">
+            <a:avLst/>
+          </a:prstGeom>
+          <a:ln>
+            <a:headEnd type="none" w="med" len="med"/>
+            <a:tailEnd type="none" w="med" len="med"/>
+          </a:ln>
+        </p:spPr>
+        <p:style>
+          <a:lnRef idx="1">
+            <a:schemeClr val="accent3"/>
+          </a:lnRef>
+          <a:fillRef idx="3">
+            <a:schemeClr val="accent3"/>
+          </a:fillRef>
+          <a:effectRef idx="2">
+            <a:schemeClr val="accent3"/>
+          </a:effectRef>
+          <a:fontRef idx="minor">
+            <a:schemeClr val="lt1"/>
+          </a:fontRef>
+        </p:style>
+        <p:txBody>
+          <a:bodyPr rot="0" spcFirstLastPara="0" vertOverflow="overflow" horzOverflow="overflow" vert="horz" wrap="square" lIns="182880" tIns="146304" rIns="182880" bIns="146304" numCol="1" spcCol="0" rtlCol="0" fromWordArt="0" anchor="ctr" anchorCtr="0" forceAA="0" compatLnSpc="1">
+            <a:prstTxWarp prst="textNoShape">
+              <a:avLst/>
+            </a:prstTxWarp>
+            <a:noAutofit/>
+          </a:bodyPr>
+          <a:lstStyle/>
+          <a:p>
+            <a:pPr algn="ctr" defTabSz="932472" fontAlgn="base">
+              <a:spcBef>
+                <a:spcPct val="0"/>
+              </a:spcBef>
+              <a:spcAft>
+                <a:spcPct val="0"/>
+              </a:spcAft>
+            </a:pPr>
+            <a:r>
+              <a:rPr lang="da-DK" sz="3600" dirty="0">
+                <a:gradFill>
+                  <a:gsLst>
+                    <a:gs pos="0">
+                      <a:srgbClr val="FFFFFF"/>
+                    </a:gs>
+                    <a:gs pos="100000">
+                      <a:srgbClr val="FFFFFF"/>
+                    </a:gs>
+                  </a:gsLst>
+                  <a:lin ang="5400000" scaled="0"/>
+                </a:gradFill>
+                <a:ea typeface="Segoe UI" pitchFamily="34" charset="0"/>
+                <a:cs typeface="Segoe UI" pitchFamily="34" charset="0"/>
+              </a:rPr>
+              <a:t>Do not write your own security layer!!!</a:t>
+            </a:r>
+            <a:endParaRPr lang="LID4096" sz="3600" dirty="0" err="1">
+              <a:gradFill>
+                <a:gsLst>
+                  <a:gs pos="0">
+                    <a:srgbClr val="FFFFFF"/>
+                  </a:gs>
+                  <a:gs pos="100000">
+                    <a:srgbClr val="FFFFFF"/>
+                  </a:gs>
+                </a:gsLst>
+                <a:lin ang="5400000" scaled="0"/>
+              </a:gradFill>
+              <a:ea typeface="Segoe UI" pitchFamily="34" charset="0"/>
+              <a:cs typeface="Segoe UI" pitchFamily="34" charset="0"/>
+            </a:endParaRPr>
+          </a:p>
+        </p:txBody>
+      </p:sp>
+    </p:spTree>
+    <p:extLst>
+      <p:ext uri="{BB962C8B-B14F-4D97-AF65-F5344CB8AC3E}">
+        <p14:creationId xmlns:p14="http://schemas.microsoft.com/office/powerpoint/2010/main" val="2735562207"/>
+      </p:ext>
+    </p:extLst>
+  </p:cSld>
+  <p:clrMapOvr>
+    <a:masterClrMapping/>
+  </p:clrMapOvr>
+  <p:transition>
+    <p:fade/>
+  </p:transition>
+  <p:timing>
+    <p:tnLst>
+      <p:par>
+        <p:cTn id="1" dur="indefinite" restart="never" nodeType="tmRoot">
+          <p:childTnLst>
+            <p:seq concurrent="1" nextAc="seek">
+              <p:cTn id="2" dur="indefinite" nodeType="mainSeq">
+                <p:childTnLst>
+                  <p:par>
+                    <p:cTn id="3" fill="hold">
+                      <p:stCondLst>
+                        <p:cond delay="indefinite"/>
+                      </p:stCondLst>
+                      <p:childTnLst>
+                        <p:par>
+                          <p:cTn id="4" fill="hold">
+                            <p:stCondLst>
+                              <p:cond delay="0"/>
+                            </p:stCondLst>
+                            <p:childTnLst>
+                              <p:par>
+                                <p:cTn id="5" presetID="1" presetClass="entr" presetSubtype="0" fill="hold" grpId="0" nodeType="clickEffect">
+                                  <p:stCondLst>
+                                    <p:cond delay="0"/>
+                                  </p:stCondLst>
+                                  <p:childTnLst>
+                                    <p:set>
+                                      <p:cBhvr>
+                                        <p:cTn id="6" dur="1" fill="hold">
+                                          <p:stCondLst>
+                                            <p:cond delay="0"/>
+                                          </p:stCondLst>
+                                        </p:cTn>
+                                        <p:tgtEl>
+                                          <p:spTgt spid="6"/>
+                                        </p:tgtEl>
+                                        <p:attrNameLst>
+                                          <p:attrName>style.visibility</p:attrName>
+                                        </p:attrNameLst>
+                                      </p:cBhvr>
+                                      <p:to>
+                                        <p:strVal val="visible"/>
+                                      </p:to>
+                                    </p:set>
+                                  </p:childTnLst>
+                                </p:cTn>
+                              </p:par>
+                            </p:childTnLst>
+                          </p:cTn>
+                        </p:par>
+                      </p:childTnLst>
+                    </p:cTn>
+                  </p:par>
+                </p:childTnLst>
+              </p:cTn>
+              <p:prevCondLst>
+                <p:cond evt="onPrev" delay="0">
+                  <p:tgtEl>
+                    <p:sldTgt/>
+                  </p:tgtEl>
+                </p:cond>
+              </p:prevCondLst>
+              <p:nextCondLst>
+                <p:cond evt="onNext" delay="0">
+                  <p:tgtEl>
+                    <p:sldTgt/>
+                  </p:tgtEl>
+                </p:cond>
+              </p:nextCondLst>
+            </p:seq>
+          </p:childTnLst>
+        </p:cTn>
+      </p:par>
+    </p:tnLst>
+    <p:bldLst>
+      <p:bldP spid="6" grpId="0" animBg="1"/>
     </p:bldLst>
   </p:timing>
 </p:sld>
@@ -28688,20 +30886,20 @@
 </file>
 
 <file path=customXml/item1.xml><?xml version="1.0" encoding="utf-8"?>
-<p:properties xmlns:p="http://schemas.microsoft.com/office/2006/metadata/properties" xmlns:xsi="http://www.w3.org/2001/XMLSchema-instance" xmlns:pc="http://schemas.microsoft.com/office/infopath/2007/PartnerControls">
-  <documentManagement>
-    <MediaServiceKeyPoints xmlns="965de625-df5b-42e9-a277-2113da4f1195" xsi:nil="true"/>
-  </documentManagement>
-</p:properties>
-</file>
-
-<file path=customXml/item2.xml><?xml version="1.0" encoding="utf-8"?>
 <?mso-contentType ?>
 <FormTemplates xmlns="http://schemas.microsoft.com/sharepoint/v3/contenttype/forms">
   <Display>DocumentLibraryForm</Display>
   <Edit>DocumentLibraryForm</Edit>
   <New>DocumentLibraryForm</New>
 </FormTemplates>
+</file>
+
+<file path=customXml/item2.xml><?xml version="1.0" encoding="utf-8"?>
+<p:properties xmlns:p="http://schemas.microsoft.com/office/2006/metadata/properties" xmlns:xsi="http://www.w3.org/2001/XMLSchema-instance" xmlns:pc="http://schemas.microsoft.com/office/infopath/2007/PartnerControls">
+  <documentManagement>
+    <MediaServiceKeyPoints xmlns="965de625-df5b-42e9-a277-2113da4f1195" xsi:nil="true"/>
+  </documentManagement>
+</p:properties>
 </file>
 
 <file path=customXml/item3.xml><?xml version="1.0" encoding="utf-8"?>
@@ -28936,6 +31134,14 @@
 </file>
 
 <file path=customXml/itemProps1.xml><?xml version="1.0" encoding="utf-8"?>
+<ds:datastoreItem xmlns:ds="http://schemas.openxmlformats.org/officeDocument/2006/customXml" ds:itemID="{758FDAC0-319D-4A54-8D8E-1D42CB1F8004}">
+  <ds:schemaRefs>
+    <ds:schemaRef ds:uri="http://schemas.microsoft.com/sharepoint/v3/contenttype/forms"/>
+  </ds:schemaRefs>
+</ds:datastoreItem>
+</file>
+
+<file path=customXml/itemProps2.xml><?xml version="1.0" encoding="utf-8"?>
 <ds:datastoreItem xmlns:ds="http://schemas.openxmlformats.org/officeDocument/2006/customXml" ds:itemID="{F990F116-B58F-4255-B05B-DA3808E0E5C6}">
   <ds:schemaRefs>
     <ds:schemaRef ds:uri="http://purl.org/dc/elements/1.1/"/>
@@ -28950,14 +31156,6 @@
     <ds:schemaRef ds:uri="http://www.w3.org/XML/1998/namespace"/>
     <ds:schemaRef ds:uri="http://purl.org/dc/terms/"/>
     <ds:schemaRef ds:uri="965de625-df5b-42e9-a277-2113da4f1195"/>
-  </ds:schemaRefs>
-</ds:datastoreItem>
-</file>
-
-<file path=customXml/itemProps2.xml><?xml version="1.0" encoding="utf-8"?>
-<ds:datastoreItem xmlns:ds="http://schemas.openxmlformats.org/officeDocument/2006/customXml" ds:itemID="{758FDAC0-319D-4A54-8D8E-1D42CB1F8004}">
-  <ds:schemaRefs>
-    <ds:schemaRef ds:uri="http://schemas.microsoft.com/sharepoint/v3/contenttype/forms"/>
   </ds:schemaRefs>
 </ds:datastoreItem>
 </file>

--- a/Slides/Lecture09 - JSON and the REST - ASP.NET Core.pptx
+++ b/Slides/Lecture09 - JSON and the REST - ASP.NET Core.pptx
@@ -328,7 +328,7 @@
               <a:rPr lang="en-US" smtClean="0">
                 <a:latin typeface="Segoe UI" pitchFamily="34" charset="0"/>
               </a:rPr>
-              <a:t>11/8/2019 8:30 AM</a:t>
+              <a:t>11/8/2019 1:43 PM</a:t>
             </a:fld>
             <a:endParaRPr lang="en-US" dirty="0">
               <a:latin typeface="Segoe UI" pitchFamily="34" charset="0"/>
@@ -606,7 +606,7 @@
           <a:p>
             <a:fld id="{386CE63F-9E7F-4C04-9D0D-FCA25A8E9E86}" type="datetime8">
               <a:rPr lang="en-US" smtClean="0"/>
-              <a:t>11/8/2019 8:30 AM</a:t>
+              <a:t>11/8/2019 1:39 PM</a:t>
             </a:fld>
             <a:endParaRPr lang="en-US" dirty="0"/>
           </a:p>
@@ -973,7 +973,7 @@
           <a:p>
             <a:fld id="{321E5A7B-BB8D-4368-A182-109669521632}" type="datetime8">
               <a:rPr lang="en-US" smtClean="0"/>
-              <a:t>11/8/2019 8:30 AM</a:t>
+              <a:t>11/8/2019 1:39 PM</a:t>
             </a:fld>
             <a:endParaRPr lang="en-US" dirty="0"/>
           </a:p>
@@ -22639,7 +22639,7 @@
             <p:ph sz="quarter" idx="12"/>
             <p:extLst>
               <p:ext uri="{D42A27DB-BD31-4B8C-83A1-F6EECF244321}">
-                <p14:modId xmlns:p14="http://schemas.microsoft.com/office/powerpoint/2010/main" val="4223121751"/>
+                <p14:modId xmlns:p14="http://schemas.microsoft.com/office/powerpoint/2010/main" val="3932738043"/>
               </p:ext>
             </p:extLst>
           </p:nvPr>
@@ -22831,7 +22831,7 @@
                     <a:lstStyle/>
                     <a:p>
                       <a:r>
-                        <a:rPr lang="da-DK" dirty="0"/>
+                        <a:rPr lang="da-DK"/>
                         <a:t>No Content</a:t>
                       </a:r>
                       <a:endParaRPr lang="LID4096" dirty="0"/>
@@ -23021,14 +23021,14 @@
             <p:ph sz="quarter" idx="13"/>
             <p:extLst>
               <p:ext uri="{D42A27DB-BD31-4B8C-83A1-F6EECF244321}">
-                <p14:modId xmlns:p14="http://schemas.microsoft.com/office/powerpoint/2010/main" val="1290936330"/>
+                <p14:modId xmlns:p14="http://schemas.microsoft.com/office/powerpoint/2010/main" val="8537863"/>
               </p:ext>
             </p:extLst>
           </p:nvPr>
         </p:nvGraphicFramePr>
         <p:xfrm>
           <a:off x="6389688" y="1435100"/>
-          <a:ext cx="5211762" cy="3337560"/>
+          <a:ext cx="5211762" cy="4079240"/>
         </p:xfrm>
         <a:graphic>
           <a:graphicData uri="http://schemas.openxmlformats.org/drawingml/2006/table">
@@ -23280,6 +23280,124 @@
                 <a:extLst>
                   <a:ext uri="{0D108BD9-81ED-4DB2-BD59-A6C34878D82A}">
                     <a16:rowId xmlns:a16="http://schemas.microsoft.com/office/drawing/2014/main" val="330335000"/>
+                  </a:ext>
+                </a:extLst>
+              </a:tr>
+              <a:tr h="370840">
+                <a:tc>
+                  <a:txBody>
+                    <a:bodyPr/>
+                    <a:lstStyle/>
+                    <a:p>
+                      <a:r>
+                        <a:rPr lang="da-DK" dirty="0"/>
+                        <a:t>415</a:t>
+                      </a:r>
+                      <a:endParaRPr lang="LID4096" dirty="0"/>
+                    </a:p>
+                  </a:txBody>
+                  <a:tcPr/>
+                </a:tc>
+                <a:tc>
+                  <a:txBody>
+                    <a:bodyPr/>
+                    <a:lstStyle/>
+                    <a:p>
+                      <a:pPr marL="0" marR="0" lvl="0" indent="0" algn="l" defTabSz="932742" rtl="0" eaLnBrk="1" fontAlgn="auto" latinLnBrk="0" hangingPunct="1">
+                        <a:lnSpc>
+                          <a:spcPct val="100000"/>
+                        </a:lnSpc>
+                        <a:spcBef>
+                          <a:spcPts val="0"/>
+                        </a:spcBef>
+                        <a:spcAft>
+                          <a:spcPts val="0"/>
+                        </a:spcAft>
+                        <a:buClrTx/>
+                        <a:buSzTx/>
+                        <a:buFontTx/>
+                        <a:buNone/>
+                        <a:tabLst/>
+                        <a:defRPr/>
+                      </a:pPr>
+                      <a:r>
+                        <a:rPr lang="en-US" sz="1800" dirty="0">
+                          <a:solidFill>
+                            <a:schemeClr val="tx1"/>
+                          </a:solidFill>
+                        </a:rPr>
+                        <a:t>Unsupported Media Type </a:t>
+                      </a:r>
+                    </a:p>
+                  </a:txBody>
+                  <a:tcPr/>
+                </a:tc>
+                <a:extLst>
+                  <a:ext uri="{0D108BD9-81ED-4DB2-BD59-A6C34878D82A}">
+                    <a16:rowId xmlns:a16="http://schemas.microsoft.com/office/drawing/2014/main" val="2368791002"/>
+                  </a:ext>
+                </a:extLst>
+              </a:tr>
+              <a:tr h="370840">
+                <a:tc>
+                  <a:txBody>
+                    <a:bodyPr/>
+                    <a:lstStyle/>
+                    <a:p>
+                      <a:r>
+                        <a:rPr lang="da-DK" dirty="0"/>
+                        <a:t>422</a:t>
+                      </a:r>
+                      <a:endParaRPr lang="LID4096" dirty="0"/>
+                    </a:p>
+                  </a:txBody>
+                  <a:tcPr/>
+                </a:tc>
+                <a:tc>
+                  <a:txBody>
+                    <a:bodyPr/>
+                    <a:lstStyle/>
+                    <a:p>
+                      <a:pPr marL="0" marR="0" lvl="0" indent="0" algn="l" defTabSz="932742" rtl="0" eaLnBrk="1" fontAlgn="auto" latinLnBrk="0" hangingPunct="1">
+                        <a:lnSpc>
+                          <a:spcPct val="100000"/>
+                        </a:lnSpc>
+                        <a:spcBef>
+                          <a:spcPts val="0"/>
+                        </a:spcBef>
+                        <a:spcAft>
+                          <a:spcPts val="0"/>
+                        </a:spcAft>
+                        <a:buClrTx/>
+                        <a:buSzTx/>
+                        <a:buFontTx/>
+                        <a:buNone/>
+                        <a:tabLst/>
+                        <a:defRPr/>
+                      </a:pPr>
+                      <a:r>
+                        <a:rPr lang="en-US" sz="1800" dirty="0" err="1">
+                          <a:solidFill>
+                            <a:schemeClr val="tx1"/>
+                          </a:solidFill>
+                        </a:rPr>
+                        <a:t>Unprocessable</a:t>
+                      </a:r>
+                      <a:r>
+                        <a:rPr lang="en-US" sz="1800" dirty="0">
+                          <a:solidFill>
+                            <a:schemeClr val="tx1"/>
+                          </a:solidFill>
+                        </a:rPr>
+                        <a:t> Entity</a:t>
+                      </a:r>
+                    </a:p>
+                  </a:txBody>
+                  <a:tcPr/>
+                </a:tc>
+                <a:extLst>
+                  <a:ext uri="{0D108BD9-81ED-4DB2-BD59-A6C34878D82A}">
+                    <a16:rowId xmlns:a16="http://schemas.microsoft.com/office/drawing/2014/main" val="957845994"/>
                   </a:ext>
                 </a:extLst>
               </a:tr>
@@ -25120,15 +25238,6 @@
           <a:solidFill>
             <a:srgbClr val="FFFFFF"/>
           </a:solidFill>
-          <a:extLst>
-            <a:ext uri="{909E8E84-426E-40DD-AFC4-6F175D3DCCD1}">
-              <a14:hiddenFill xmlns:a14="http://schemas.microsoft.com/office/drawing/2010/main">
-                <a:solidFill>
-                  <a:srgbClr val="FFFFFF"/>
-                </a:solidFill>
-              </a14:hiddenFill>
-            </a:ext>
-          </a:extLst>
         </p:spPr>
       </p:pic>
     </p:spTree>
@@ -25473,13 +25582,13 @@
   <p:clrMapOvr>
     <a:masterClrMapping/>
   </p:clrMapOvr>
-  <mc:AlternateContent xmlns:mc="http://schemas.openxmlformats.org/markup-compatibility/2006">
-    <mc:Choice xmlns:p14="http://schemas.microsoft.com/office/powerpoint/2010/main" Requires="p14">
+  <mc:AlternateContent xmlns:mc="http://schemas.openxmlformats.org/markup-compatibility/2006" xmlns:p14="http://schemas.microsoft.com/office/powerpoint/2010/main">
+    <mc:Choice Requires="p14">
       <p:transition spd="med" p14:dur="700">
         <p:fade/>
       </p:transition>
     </mc:Choice>
-    <mc:Fallback>
+    <mc:Fallback xmlns="">
       <p:transition spd="med">
         <p:fade/>
       </p:transition>
@@ -30886,23 +30995,6 @@
 </file>
 
 <file path=customXml/item1.xml><?xml version="1.0" encoding="utf-8"?>
-<?mso-contentType ?>
-<FormTemplates xmlns="http://schemas.microsoft.com/sharepoint/v3/contenttype/forms">
-  <Display>DocumentLibraryForm</Display>
-  <Edit>DocumentLibraryForm</Edit>
-  <New>DocumentLibraryForm</New>
-</FormTemplates>
-</file>
-
-<file path=customXml/item2.xml><?xml version="1.0" encoding="utf-8"?>
-<p:properties xmlns:p="http://schemas.microsoft.com/office/2006/metadata/properties" xmlns:xsi="http://www.w3.org/2001/XMLSchema-instance" xmlns:pc="http://schemas.microsoft.com/office/infopath/2007/PartnerControls">
-  <documentManagement>
-    <MediaServiceKeyPoints xmlns="965de625-df5b-42e9-a277-2113da4f1195" xsi:nil="true"/>
-  </documentManagement>
-</p:properties>
-</file>
-
-<file path=customXml/item3.xml><?xml version="1.0" encoding="utf-8"?>
 <ct:contentTypeSchema xmlns:ct="http://schemas.microsoft.com/office/2006/metadata/contentType" xmlns:ma="http://schemas.microsoft.com/office/2006/metadata/properties/metaAttributes" ct:_="" ma:_="" ma:contentTypeName="Document" ma:contentTypeID="0x010100BD9FAF4CD5AD2F4B99B5B2414089ABF7" ma:contentTypeVersion="14" ma:contentTypeDescription="Create a new document." ma:contentTypeScope="" ma:versionID="15419eb272c8997d22174cab72b81ac5">
   <xsd:schema xmlns:xsd="http://www.w3.org/2001/XMLSchema" xmlns:xs="http://www.w3.org/2001/XMLSchema" xmlns:p="http://schemas.microsoft.com/office/2006/metadata/properties" xmlns:ns2="dcf5ddc1-fb1d-440f-849a-6450bddbaed7" xmlns:ns3="965de625-df5b-42e9-a277-2113da4f1195" targetNamespace="http://schemas.microsoft.com/office/2006/metadata/properties" ma:root="true" ma:fieldsID="366f960d0717a06e650b8dd07cd5f805" ns2:_="" ns3:_="">
     <xsd:import namespace="dcf5ddc1-fb1d-440f-849a-6450bddbaed7"/>
@@ -31133,7 +31225,43 @@
 </ct:contentTypeSchema>
 </file>
 
+<file path=customXml/item2.xml><?xml version="1.0" encoding="utf-8"?>
+<?mso-contentType ?>
+<FormTemplates xmlns="http://schemas.microsoft.com/sharepoint/v3/contenttype/forms">
+  <Display>DocumentLibraryForm</Display>
+  <Edit>DocumentLibraryForm</Edit>
+  <New>DocumentLibraryForm</New>
+</FormTemplates>
+</file>
+
+<file path=customXml/item3.xml><?xml version="1.0" encoding="utf-8"?>
+<p:properties xmlns:p="http://schemas.microsoft.com/office/2006/metadata/properties" xmlns:xsi="http://www.w3.org/2001/XMLSchema-instance" xmlns:pc="http://schemas.microsoft.com/office/infopath/2007/PartnerControls">
+  <documentManagement>
+    <MediaServiceKeyPoints xmlns="965de625-df5b-42e9-a277-2113da4f1195" xsi:nil="true"/>
+  </documentManagement>
+</p:properties>
+</file>
+
 <file path=customXml/itemProps1.xml><?xml version="1.0" encoding="utf-8"?>
+<ds:datastoreItem xmlns:ds="http://schemas.openxmlformats.org/officeDocument/2006/customXml" ds:itemID="{B28DDFE8-80D6-4A60-B5D6-41E509D3A2B4}">
+  <ds:schemaRefs>
+    <ds:schemaRef ds:uri="http://schemas.microsoft.com/office/2006/metadata/contentType"/>
+    <ds:schemaRef ds:uri="http://schemas.microsoft.com/office/2006/metadata/properties/metaAttributes"/>
+    <ds:schemaRef ds:uri="http://www.w3.org/2001/XMLSchema"/>
+    <ds:schemaRef ds:uri="http://schemas.microsoft.com/office/2006/metadata/properties"/>
+    <ds:schemaRef ds:uri="dcf5ddc1-fb1d-440f-849a-6450bddbaed7"/>
+    <ds:schemaRef ds:uri="965de625-df5b-42e9-a277-2113da4f1195"/>
+    <ds:schemaRef ds:uri="http://schemas.microsoft.com/office/2006/documentManagement/types"/>
+    <ds:schemaRef ds:uri="http://schemas.microsoft.com/office/infopath/2007/PartnerControls"/>
+    <ds:schemaRef ds:uri="http://schemas.openxmlformats.org/package/2006/metadata/core-properties"/>
+    <ds:schemaRef ds:uri="http://purl.org/dc/elements/1.1/"/>
+    <ds:schemaRef ds:uri="http://purl.org/dc/terms/"/>
+    <ds:schemaRef ds:uri="http://schemas.microsoft.com/internal/obd"/>
+  </ds:schemaRefs>
+</ds:datastoreItem>
+</file>
+
+<file path=customXml/itemProps2.xml><?xml version="1.0" encoding="utf-8"?>
 <ds:datastoreItem xmlns:ds="http://schemas.openxmlformats.org/officeDocument/2006/customXml" ds:itemID="{758FDAC0-319D-4A54-8D8E-1D42CB1F8004}">
   <ds:schemaRefs>
     <ds:schemaRef ds:uri="http://schemas.microsoft.com/sharepoint/v3/contenttype/forms"/>
@@ -31141,7 +31269,7 @@
 </ds:datastoreItem>
 </file>
 
-<file path=customXml/itemProps2.xml><?xml version="1.0" encoding="utf-8"?>
+<file path=customXml/itemProps3.xml><?xml version="1.0" encoding="utf-8"?>
 <ds:datastoreItem xmlns:ds="http://schemas.openxmlformats.org/officeDocument/2006/customXml" ds:itemID="{F990F116-B58F-4255-B05B-DA3808E0E5C6}">
   <ds:schemaRefs>
     <ds:schemaRef ds:uri="http://purl.org/dc/elements/1.1/"/>
@@ -31158,23 +31286,4 @@
     <ds:schemaRef ds:uri="965de625-df5b-42e9-a277-2113da4f1195"/>
   </ds:schemaRefs>
 </ds:datastoreItem>
-</file>
-
-<file path=customXml/itemProps3.xml><?xml version="1.0" encoding="utf-8"?>
-<ds:datastoreItem xmlns:ds="http://schemas.openxmlformats.org/officeDocument/2006/customXml" ds:itemID="{B28DDFE8-80D6-4A60-B5D6-41E509D3A2B4}">
-  <ds:schemaRefs>
-    <ds:schemaRef ds:uri="http://schemas.microsoft.com/office/2006/metadata/contentType"/>
-    <ds:schemaRef ds:uri="http://schemas.microsoft.com/office/2006/metadata/properties/metaAttributes"/>
-    <ds:schemaRef ds:uri="http://www.w3.org/2001/XMLSchema"/>
-    <ds:schemaRef ds:uri="http://schemas.microsoft.com/office/2006/metadata/properties"/>
-    <ds:schemaRef ds:uri="dcf5ddc1-fb1d-440f-849a-6450bddbaed7"/>
-    <ds:schemaRef ds:uri="965de625-df5b-42e9-a277-2113da4f1195"/>
-    <ds:schemaRef ds:uri="http://schemas.microsoft.com/office/2006/documentManagement/types"/>
-    <ds:schemaRef ds:uri="http://schemas.microsoft.com/office/infopath/2007/PartnerControls"/>
-    <ds:schemaRef ds:uri="http://schemas.openxmlformats.org/package/2006/metadata/core-properties"/>
-    <ds:schemaRef ds:uri="http://purl.org/dc/elements/1.1/"/>
-    <ds:schemaRef ds:uri="http://purl.org/dc/terms/"/>
-    <ds:schemaRef ds:uri="http://schemas.microsoft.com/internal/obd"/>
-  </ds:schemaRefs>
-</ds:datastoreItem>
 </file>